--- a/assets/img/people/New Microsoft PowerPoint Presentation.pptx
+++ b/assets/img/people/New Microsoft PowerPoint Presentation.pptx
@@ -2,18 +2,18 @@
 <file path=ppt/presentation.xml><?xml version="1.0" encoding="utf-8"?>
 <p:presentation xmlns:a="http://schemas.openxmlformats.org/drawingml/2006/main" xmlns:r="http://schemas.openxmlformats.org/officeDocument/2006/relationships" xmlns:p="http://schemas.openxmlformats.org/presentationml/2006/main" saveSubsetFonts="1">
   <p:sldMasterIdLst>
-    <p:sldMasterId id="2147483648" r:id="rId1"/>
+    <p:sldMasterId id="2147483660" r:id="rId1"/>
   </p:sldMasterIdLst>
   <p:sldIdLst>
     <p:sldId id="256" r:id="rId2"/>
   </p:sldIdLst>
-  <p:sldSz cx="12192000" cy="6858000"/>
+  <p:sldSz cx="4572000" cy="4572000"/>
   <p:notesSz cx="6858000" cy="9144000"/>
   <p:defaultTextStyle>
     <a:defPPr>
       <a:defRPr lang="en-US"/>
     </a:defPPr>
-    <a:lvl1pPr marL="0" algn="l" defTabSz="914400" rtl="0" eaLnBrk="1" latinLnBrk="0" hangingPunct="1">
+    <a:lvl1pPr marL="0" algn="l" defTabSz="457200" rtl="0" eaLnBrk="1" latinLnBrk="0" hangingPunct="1">
       <a:defRPr sz="1800" kern="1200">
         <a:solidFill>
           <a:schemeClr val="tx1"/>
@@ -23,7 +23,7 @@
         <a:cs typeface="+mn-cs"/>
       </a:defRPr>
     </a:lvl1pPr>
-    <a:lvl2pPr marL="457200" algn="l" defTabSz="914400" rtl="0" eaLnBrk="1" latinLnBrk="0" hangingPunct="1">
+    <a:lvl2pPr marL="457200" algn="l" defTabSz="457200" rtl="0" eaLnBrk="1" latinLnBrk="0" hangingPunct="1">
       <a:defRPr sz="1800" kern="1200">
         <a:solidFill>
           <a:schemeClr val="tx1"/>
@@ -33,7 +33,7 @@
         <a:cs typeface="+mn-cs"/>
       </a:defRPr>
     </a:lvl2pPr>
-    <a:lvl3pPr marL="914400" algn="l" defTabSz="914400" rtl="0" eaLnBrk="1" latinLnBrk="0" hangingPunct="1">
+    <a:lvl3pPr marL="914400" algn="l" defTabSz="457200" rtl="0" eaLnBrk="1" latinLnBrk="0" hangingPunct="1">
       <a:defRPr sz="1800" kern="1200">
         <a:solidFill>
           <a:schemeClr val="tx1"/>
@@ -43,7 +43,7 @@
         <a:cs typeface="+mn-cs"/>
       </a:defRPr>
     </a:lvl3pPr>
-    <a:lvl4pPr marL="1371600" algn="l" defTabSz="914400" rtl="0" eaLnBrk="1" latinLnBrk="0" hangingPunct="1">
+    <a:lvl4pPr marL="1371600" algn="l" defTabSz="457200" rtl="0" eaLnBrk="1" latinLnBrk="0" hangingPunct="1">
       <a:defRPr sz="1800" kern="1200">
         <a:solidFill>
           <a:schemeClr val="tx1"/>
@@ -53,7 +53,7 @@
         <a:cs typeface="+mn-cs"/>
       </a:defRPr>
     </a:lvl4pPr>
-    <a:lvl5pPr marL="1828800" algn="l" defTabSz="914400" rtl="0" eaLnBrk="1" latinLnBrk="0" hangingPunct="1">
+    <a:lvl5pPr marL="1828800" algn="l" defTabSz="457200" rtl="0" eaLnBrk="1" latinLnBrk="0" hangingPunct="1">
       <a:defRPr sz="1800" kern="1200">
         <a:solidFill>
           <a:schemeClr val="tx1"/>
@@ -63,7 +63,7 @@
         <a:cs typeface="+mn-cs"/>
       </a:defRPr>
     </a:lvl5pPr>
-    <a:lvl6pPr marL="2286000" algn="l" defTabSz="914400" rtl="0" eaLnBrk="1" latinLnBrk="0" hangingPunct="1">
+    <a:lvl6pPr marL="2286000" algn="l" defTabSz="457200" rtl="0" eaLnBrk="1" latinLnBrk="0" hangingPunct="1">
       <a:defRPr sz="1800" kern="1200">
         <a:solidFill>
           <a:schemeClr val="tx1"/>
@@ -73,7 +73,7 @@
         <a:cs typeface="+mn-cs"/>
       </a:defRPr>
     </a:lvl6pPr>
-    <a:lvl7pPr marL="2743200" algn="l" defTabSz="914400" rtl="0" eaLnBrk="1" latinLnBrk="0" hangingPunct="1">
+    <a:lvl7pPr marL="2743200" algn="l" defTabSz="457200" rtl="0" eaLnBrk="1" latinLnBrk="0" hangingPunct="1">
       <a:defRPr sz="1800" kern="1200">
         <a:solidFill>
           <a:schemeClr val="tx1"/>
@@ -83,7 +83,7 @@
         <a:cs typeface="+mn-cs"/>
       </a:defRPr>
     </a:lvl7pPr>
-    <a:lvl8pPr marL="3200400" algn="l" defTabSz="914400" rtl="0" eaLnBrk="1" latinLnBrk="0" hangingPunct="1">
+    <a:lvl8pPr marL="3200400" algn="l" defTabSz="457200" rtl="0" eaLnBrk="1" latinLnBrk="0" hangingPunct="1">
       <a:defRPr sz="1800" kern="1200">
         <a:solidFill>
           <a:schemeClr val="tx1"/>
@@ -93,7 +93,7 @@
         <a:cs typeface="+mn-cs"/>
       </a:defRPr>
     </a:lvl8pPr>
-    <a:lvl9pPr marL="3657600" algn="l" defTabSz="914400" rtl="0" eaLnBrk="1" latinLnBrk="0" hangingPunct="1">
+    <a:lvl9pPr marL="3657600" algn="l" defTabSz="457200" rtl="0" eaLnBrk="1" latinLnBrk="0" hangingPunct="1">
       <a:defRPr sz="1800" kern="1200">
         <a:solidFill>
           <a:schemeClr val="tx1"/>
@@ -131,13 +131,7 @@
       </p:grpSpPr>
       <p:sp>
         <p:nvSpPr>
-          <p:cNvPr id="2" name="Title 1">
-            <a:extLst>
-              <a:ext uri="{FF2B5EF4-FFF2-40B4-BE49-F238E27FC236}">
-                <a16:creationId xmlns:a16="http://schemas.microsoft.com/office/drawing/2014/main" id="{DC17D920-E3A0-4B2D-0740-79BFA21CC4DF}"/>
-              </a:ext>
-            </a:extLst>
-          </p:cNvPr>
+          <p:cNvPr id="2" name="Title 1"/>
           <p:cNvSpPr>
             <a:spLocks noGrp="1"/>
           </p:cNvSpPr>
@@ -147,15 +141,15 @@
         </p:nvSpPr>
         <p:spPr>
           <a:xfrm>
-            <a:off x="1524000" y="1122363"/>
-            <a:ext cx="9144000" cy="2387600"/>
+            <a:off x="342900" y="748242"/>
+            <a:ext cx="3886200" cy="1591733"/>
           </a:xfrm>
         </p:spPr>
         <p:txBody>
           <a:bodyPr anchor="b"/>
           <a:lstStyle>
             <a:lvl1pPr algn="ctr">
-              <a:defRPr sz="6000"/>
+              <a:defRPr sz="3000"/>
             </a:lvl1pPr>
           </a:lstStyle>
           <a:p>
@@ -163,18 +157,13 @@
               <a:rPr lang="en-US"/>
               <a:t>Click to edit Master title style</a:t>
             </a:r>
-          </a:p>
-        </p:txBody>
-      </p:sp>
-      <p:sp>
-        <p:nvSpPr>
-          <p:cNvPr id="3" name="Subtitle 2">
-            <a:extLst>
-              <a:ext uri="{FF2B5EF4-FFF2-40B4-BE49-F238E27FC236}">
-                <a16:creationId xmlns:a16="http://schemas.microsoft.com/office/drawing/2014/main" id="{A5779F50-3867-C7DA-DCEE-454870B94598}"/>
-              </a:ext>
-            </a:extLst>
-          </p:cNvPr>
+            <a:endParaRPr lang="en-US" dirty="0"/>
+          </a:p>
+        </p:txBody>
+      </p:sp>
+      <p:sp>
+        <p:nvSpPr>
+          <p:cNvPr id="3" name="Subtitle 2"/>
           <p:cNvSpPr>
             <a:spLocks noGrp="1"/>
           </p:cNvSpPr>
@@ -184,8 +173,8 @@
         </p:nvSpPr>
         <p:spPr>
           <a:xfrm>
-            <a:off x="1524000" y="3602038"/>
-            <a:ext cx="9144000" cy="1655762"/>
+            <a:off x="571500" y="2401359"/>
+            <a:ext cx="3429000" cy="1103841"/>
           </a:xfrm>
         </p:spPr>
         <p:txBody>
@@ -193,39 +182,39 @@
           <a:lstStyle>
             <a:lvl1pPr marL="0" indent="0" algn="ctr">
               <a:buNone/>
-              <a:defRPr sz="2400"/>
+              <a:defRPr sz="1200"/>
             </a:lvl1pPr>
-            <a:lvl2pPr marL="457200" indent="0" algn="ctr">
-              <a:buNone/>
-              <a:defRPr sz="2000"/>
+            <a:lvl2pPr marL="228600" indent="0" algn="ctr">
+              <a:buNone/>
+              <a:defRPr sz="1000"/>
             </a:lvl2pPr>
-            <a:lvl3pPr marL="914400" indent="0" algn="ctr">
-              <a:buNone/>
-              <a:defRPr sz="1800"/>
+            <a:lvl3pPr marL="457200" indent="0" algn="ctr">
+              <a:buNone/>
+              <a:defRPr sz="900"/>
             </a:lvl3pPr>
-            <a:lvl4pPr marL="1371600" indent="0" algn="ctr">
-              <a:buNone/>
-              <a:defRPr sz="1600"/>
+            <a:lvl4pPr marL="685800" indent="0" algn="ctr">
+              <a:buNone/>
+              <a:defRPr sz="800"/>
             </a:lvl4pPr>
-            <a:lvl5pPr marL="1828800" indent="0" algn="ctr">
-              <a:buNone/>
-              <a:defRPr sz="1600"/>
+            <a:lvl5pPr marL="914400" indent="0" algn="ctr">
+              <a:buNone/>
+              <a:defRPr sz="800"/>
             </a:lvl5pPr>
-            <a:lvl6pPr marL="2286000" indent="0" algn="ctr">
-              <a:buNone/>
-              <a:defRPr sz="1600"/>
+            <a:lvl6pPr marL="1143000" indent="0" algn="ctr">
+              <a:buNone/>
+              <a:defRPr sz="800"/>
             </a:lvl6pPr>
-            <a:lvl7pPr marL="2743200" indent="0" algn="ctr">
-              <a:buNone/>
-              <a:defRPr sz="1600"/>
+            <a:lvl7pPr marL="1371600" indent="0" algn="ctr">
+              <a:buNone/>
+              <a:defRPr sz="800"/>
             </a:lvl7pPr>
-            <a:lvl8pPr marL="3200400" indent="0" algn="ctr">
-              <a:buNone/>
-              <a:defRPr sz="1600"/>
+            <a:lvl8pPr marL="1600200" indent="0" algn="ctr">
+              <a:buNone/>
+              <a:defRPr sz="800"/>
             </a:lvl8pPr>
-            <a:lvl9pPr marL="3657600" indent="0" algn="ctr">
-              <a:buNone/>
-              <a:defRPr sz="1600"/>
+            <a:lvl9pPr marL="1828800" indent="0" algn="ctr">
+              <a:buNone/>
+              <a:defRPr sz="800"/>
             </a:lvl9pPr>
           </a:lstStyle>
           <a:p>
@@ -233,18 +222,13 @@
               <a:rPr lang="en-US"/>
               <a:t>Click to edit Master subtitle style</a:t>
             </a:r>
-          </a:p>
-        </p:txBody>
-      </p:sp>
-      <p:sp>
-        <p:nvSpPr>
-          <p:cNvPr id="4" name="Date Placeholder 3">
-            <a:extLst>
-              <a:ext uri="{FF2B5EF4-FFF2-40B4-BE49-F238E27FC236}">
-                <a16:creationId xmlns:a16="http://schemas.microsoft.com/office/drawing/2014/main" id="{D745B85D-A016-AB02-8CBF-76B7709CEFC8}"/>
-              </a:ext>
-            </a:extLst>
-          </p:cNvPr>
+            <a:endParaRPr lang="en-US" dirty="0"/>
+          </a:p>
+        </p:txBody>
+      </p:sp>
+      <p:sp>
+        <p:nvSpPr>
+          <p:cNvPr id="4" name="Date Placeholder 3"/>
           <p:cNvSpPr>
             <a:spLocks noGrp="1"/>
           </p:cNvSpPr>
@@ -259,7 +243,7 @@
           <a:p>
             <a:fld id="{BE68067C-B7E2-40A3-A5E4-B47E01AE3DF3}" type="datetimeFigureOut">
               <a:rPr lang="en-US" smtClean="0"/>
-              <a:t>7/30/2025</a:t>
+              <a:t>12/20/2025</a:t>
             </a:fld>
             <a:endParaRPr lang="en-US"/>
           </a:p>
@@ -267,13 +251,7 @@
       </p:sp>
       <p:sp>
         <p:nvSpPr>
-          <p:cNvPr id="5" name="Footer Placeholder 4">
-            <a:extLst>
-              <a:ext uri="{FF2B5EF4-FFF2-40B4-BE49-F238E27FC236}">
-                <a16:creationId xmlns:a16="http://schemas.microsoft.com/office/drawing/2014/main" id="{D112F5A7-F1FC-2686-13B1-69F6207F5C11}"/>
-              </a:ext>
-            </a:extLst>
-          </p:cNvPr>
+          <p:cNvPr id="5" name="Footer Placeholder 4"/>
           <p:cNvSpPr>
             <a:spLocks noGrp="1"/>
           </p:cNvSpPr>
@@ -292,13 +270,7 @@
       </p:sp>
       <p:sp>
         <p:nvSpPr>
-          <p:cNvPr id="6" name="Slide Number Placeholder 5">
-            <a:extLst>
-              <a:ext uri="{FF2B5EF4-FFF2-40B4-BE49-F238E27FC236}">
-                <a16:creationId xmlns:a16="http://schemas.microsoft.com/office/drawing/2014/main" id="{D00CA2FE-A1D6-1562-DBBE-319AEEA9B2E1}"/>
-              </a:ext>
-            </a:extLst>
-          </p:cNvPr>
+          <p:cNvPr id="6" name="Slide Number Placeholder 5"/>
           <p:cNvSpPr>
             <a:spLocks noGrp="1"/>
           </p:cNvSpPr>
@@ -322,7 +294,7 @@
     </p:spTree>
     <p:extLst>
       <p:ext uri="{BB962C8B-B14F-4D97-AF65-F5344CB8AC3E}">
-        <p14:creationId xmlns:p14="http://schemas.microsoft.com/office/powerpoint/2010/main" val="1908007055"/>
+        <p14:creationId xmlns:p14="http://schemas.microsoft.com/office/powerpoint/2010/main" val="3166837373"/>
       </p:ext>
     </p:extLst>
   </p:cSld>
@@ -351,13 +323,7 @@
       </p:grpSpPr>
       <p:sp>
         <p:nvSpPr>
-          <p:cNvPr id="2" name="Title 1">
-            <a:extLst>
-              <a:ext uri="{FF2B5EF4-FFF2-40B4-BE49-F238E27FC236}">
-                <a16:creationId xmlns:a16="http://schemas.microsoft.com/office/drawing/2014/main" id="{2A65BA9E-27EB-647B-6966-D742DFE74A43}"/>
-              </a:ext>
-            </a:extLst>
-          </p:cNvPr>
+          <p:cNvPr id="2" name="Title 1"/>
           <p:cNvSpPr>
             <a:spLocks noGrp="1"/>
           </p:cNvSpPr>
@@ -374,18 +340,13 @@
               <a:rPr lang="en-US"/>
               <a:t>Click to edit Master title style</a:t>
             </a:r>
-          </a:p>
-        </p:txBody>
-      </p:sp>
-      <p:sp>
-        <p:nvSpPr>
-          <p:cNvPr id="3" name="Vertical Text Placeholder 2">
-            <a:extLst>
-              <a:ext uri="{FF2B5EF4-FFF2-40B4-BE49-F238E27FC236}">
-                <a16:creationId xmlns:a16="http://schemas.microsoft.com/office/drawing/2014/main" id="{1B4F8D7D-CF49-88D4-7483-4F4B64AF0F7C}"/>
-              </a:ext>
-            </a:extLst>
-          </p:cNvPr>
+            <a:endParaRPr lang="en-US" dirty="0"/>
+          </a:p>
+        </p:txBody>
+      </p:sp>
+      <p:sp>
+        <p:nvSpPr>
+          <p:cNvPr id="3" name="Vertical Text Placeholder 2"/>
           <p:cNvSpPr>
             <a:spLocks noGrp="1"/>
           </p:cNvSpPr>
@@ -431,18 +392,13 @@
               <a:rPr lang="en-US"/>
               <a:t>Fifth level</a:t>
             </a:r>
-          </a:p>
-        </p:txBody>
-      </p:sp>
-      <p:sp>
-        <p:nvSpPr>
-          <p:cNvPr id="4" name="Date Placeholder 3">
-            <a:extLst>
-              <a:ext uri="{FF2B5EF4-FFF2-40B4-BE49-F238E27FC236}">
-                <a16:creationId xmlns:a16="http://schemas.microsoft.com/office/drawing/2014/main" id="{B0C7C857-C5D9-7BEE-7B33-50449349100B}"/>
-              </a:ext>
-            </a:extLst>
-          </p:cNvPr>
+            <a:endParaRPr lang="en-US" dirty="0"/>
+          </a:p>
+        </p:txBody>
+      </p:sp>
+      <p:sp>
+        <p:nvSpPr>
+          <p:cNvPr id="4" name="Date Placeholder 3"/>
           <p:cNvSpPr>
             <a:spLocks noGrp="1"/>
           </p:cNvSpPr>
@@ -457,7 +413,7 @@
           <a:p>
             <a:fld id="{BE68067C-B7E2-40A3-A5E4-B47E01AE3DF3}" type="datetimeFigureOut">
               <a:rPr lang="en-US" smtClean="0"/>
-              <a:t>7/30/2025</a:t>
+              <a:t>12/20/2025</a:t>
             </a:fld>
             <a:endParaRPr lang="en-US"/>
           </a:p>
@@ -465,13 +421,7 @@
       </p:sp>
       <p:sp>
         <p:nvSpPr>
-          <p:cNvPr id="5" name="Footer Placeholder 4">
-            <a:extLst>
-              <a:ext uri="{FF2B5EF4-FFF2-40B4-BE49-F238E27FC236}">
-                <a16:creationId xmlns:a16="http://schemas.microsoft.com/office/drawing/2014/main" id="{702D6A8A-DE7F-637F-1E68-47D4ADC165C1}"/>
-              </a:ext>
-            </a:extLst>
-          </p:cNvPr>
+          <p:cNvPr id="5" name="Footer Placeholder 4"/>
           <p:cNvSpPr>
             <a:spLocks noGrp="1"/>
           </p:cNvSpPr>
@@ -490,13 +440,7 @@
       </p:sp>
       <p:sp>
         <p:nvSpPr>
-          <p:cNvPr id="6" name="Slide Number Placeholder 5">
-            <a:extLst>
-              <a:ext uri="{FF2B5EF4-FFF2-40B4-BE49-F238E27FC236}">
-                <a16:creationId xmlns:a16="http://schemas.microsoft.com/office/drawing/2014/main" id="{A1DA8047-F24A-4D49-56FD-674F37E9A67A}"/>
-              </a:ext>
-            </a:extLst>
-          </p:cNvPr>
+          <p:cNvPr id="6" name="Slide Number Placeholder 5"/>
           <p:cNvSpPr>
             <a:spLocks noGrp="1"/>
           </p:cNvSpPr>
@@ -520,7 +464,7 @@
     </p:spTree>
     <p:extLst>
       <p:ext uri="{BB962C8B-B14F-4D97-AF65-F5344CB8AC3E}">
-        <p14:creationId xmlns:p14="http://schemas.microsoft.com/office/powerpoint/2010/main" val="1694463813"/>
+        <p14:creationId xmlns:p14="http://schemas.microsoft.com/office/powerpoint/2010/main" val="810867356"/>
       </p:ext>
     </p:extLst>
   </p:cSld>
@@ -549,13 +493,7 @@
       </p:grpSpPr>
       <p:sp>
         <p:nvSpPr>
-          <p:cNvPr id="2" name="Vertical Title 1">
-            <a:extLst>
-              <a:ext uri="{FF2B5EF4-FFF2-40B4-BE49-F238E27FC236}">
-                <a16:creationId xmlns:a16="http://schemas.microsoft.com/office/drawing/2014/main" id="{3014565D-A4A2-DFD8-B8E3-E0ACED7AD19F}"/>
-              </a:ext>
-            </a:extLst>
-          </p:cNvPr>
+          <p:cNvPr id="2" name="Vertical Title 1"/>
           <p:cNvSpPr>
             <a:spLocks noGrp="1"/>
           </p:cNvSpPr>
@@ -565,8 +503,8 @@
         </p:nvSpPr>
         <p:spPr>
           <a:xfrm>
-            <a:off x="8724900" y="365125"/>
-            <a:ext cx="2628900" cy="5811838"/>
+            <a:off x="3271838" y="243417"/>
+            <a:ext cx="985838" cy="3874559"/>
           </a:xfrm>
         </p:spPr>
         <p:txBody>
@@ -577,18 +515,13 @@
               <a:rPr lang="en-US"/>
               <a:t>Click to edit Master title style</a:t>
             </a:r>
-          </a:p>
-        </p:txBody>
-      </p:sp>
-      <p:sp>
-        <p:nvSpPr>
-          <p:cNvPr id="3" name="Vertical Text Placeholder 2">
-            <a:extLst>
-              <a:ext uri="{FF2B5EF4-FFF2-40B4-BE49-F238E27FC236}">
-                <a16:creationId xmlns:a16="http://schemas.microsoft.com/office/drawing/2014/main" id="{7D5F378E-971D-1657-1581-42CE0D9C4925}"/>
-              </a:ext>
-            </a:extLst>
-          </p:cNvPr>
+            <a:endParaRPr lang="en-US" dirty="0"/>
+          </a:p>
+        </p:txBody>
+      </p:sp>
+      <p:sp>
+        <p:nvSpPr>
+          <p:cNvPr id="3" name="Vertical Text Placeholder 2"/>
           <p:cNvSpPr>
             <a:spLocks noGrp="1"/>
           </p:cNvSpPr>
@@ -598,8 +531,8 @@
         </p:nvSpPr>
         <p:spPr>
           <a:xfrm>
-            <a:off x="838200" y="365125"/>
-            <a:ext cx="7734300" cy="5811838"/>
+            <a:off x="314325" y="243417"/>
+            <a:ext cx="2900363" cy="3874559"/>
           </a:xfrm>
         </p:spPr>
         <p:txBody>
@@ -639,18 +572,13 @@
               <a:rPr lang="en-US"/>
               <a:t>Fifth level</a:t>
             </a:r>
-          </a:p>
-        </p:txBody>
-      </p:sp>
-      <p:sp>
-        <p:nvSpPr>
-          <p:cNvPr id="4" name="Date Placeholder 3">
-            <a:extLst>
-              <a:ext uri="{FF2B5EF4-FFF2-40B4-BE49-F238E27FC236}">
-                <a16:creationId xmlns:a16="http://schemas.microsoft.com/office/drawing/2014/main" id="{8A53656E-8EA6-BEE1-E7FB-C43F0233F11D}"/>
-              </a:ext>
-            </a:extLst>
-          </p:cNvPr>
+            <a:endParaRPr lang="en-US" dirty="0"/>
+          </a:p>
+        </p:txBody>
+      </p:sp>
+      <p:sp>
+        <p:nvSpPr>
+          <p:cNvPr id="4" name="Date Placeholder 3"/>
           <p:cNvSpPr>
             <a:spLocks noGrp="1"/>
           </p:cNvSpPr>
@@ -665,7 +593,7 @@
           <a:p>
             <a:fld id="{BE68067C-B7E2-40A3-A5E4-B47E01AE3DF3}" type="datetimeFigureOut">
               <a:rPr lang="en-US" smtClean="0"/>
-              <a:t>7/30/2025</a:t>
+              <a:t>12/20/2025</a:t>
             </a:fld>
             <a:endParaRPr lang="en-US"/>
           </a:p>
@@ -673,13 +601,7 @@
       </p:sp>
       <p:sp>
         <p:nvSpPr>
-          <p:cNvPr id="5" name="Footer Placeholder 4">
-            <a:extLst>
-              <a:ext uri="{FF2B5EF4-FFF2-40B4-BE49-F238E27FC236}">
-                <a16:creationId xmlns:a16="http://schemas.microsoft.com/office/drawing/2014/main" id="{804D34D0-8BEC-088C-2706-E72AE3F924BB}"/>
-              </a:ext>
-            </a:extLst>
-          </p:cNvPr>
+          <p:cNvPr id="5" name="Footer Placeholder 4"/>
           <p:cNvSpPr>
             <a:spLocks noGrp="1"/>
           </p:cNvSpPr>
@@ -698,13 +620,7 @@
       </p:sp>
       <p:sp>
         <p:nvSpPr>
-          <p:cNvPr id="6" name="Slide Number Placeholder 5">
-            <a:extLst>
-              <a:ext uri="{FF2B5EF4-FFF2-40B4-BE49-F238E27FC236}">
-                <a16:creationId xmlns:a16="http://schemas.microsoft.com/office/drawing/2014/main" id="{128F0ECF-3864-8799-CC32-7D7759F6A948}"/>
-              </a:ext>
-            </a:extLst>
-          </p:cNvPr>
+          <p:cNvPr id="6" name="Slide Number Placeholder 5"/>
           <p:cNvSpPr>
             <a:spLocks noGrp="1"/>
           </p:cNvSpPr>
@@ -728,7 +644,7 @@
     </p:spTree>
     <p:extLst>
       <p:ext uri="{BB962C8B-B14F-4D97-AF65-F5344CB8AC3E}">
-        <p14:creationId xmlns:p14="http://schemas.microsoft.com/office/powerpoint/2010/main" val="3672576490"/>
+        <p14:creationId xmlns:p14="http://schemas.microsoft.com/office/powerpoint/2010/main" val="3001612620"/>
       </p:ext>
     </p:extLst>
   </p:cSld>
@@ -757,13 +673,7 @@
       </p:grpSpPr>
       <p:sp>
         <p:nvSpPr>
-          <p:cNvPr id="2" name="Title 1">
-            <a:extLst>
-              <a:ext uri="{FF2B5EF4-FFF2-40B4-BE49-F238E27FC236}">
-                <a16:creationId xmlns:a16="http://schemas.microsoft.com/office/drawing/2014/main" id="{07999CC0-73AF-A3B5-9B99-BB1A03CFDE63}"/>
-              </a:ext>
-            </a:extLst>
-          </p:cNvPr>
+          <p:cNvPr id="2" name="Title 1"/>
           <p:cNvSpPr>
             <a:spLocks noGrp="1"/>
           </p:cNvSpPr>
@@ -780,18 +690,13 @@
               <a:rPr lang="en-US"/>
               <a:t>Click to edit Master title style</a:t>
             </a:r>
-          </a:p>
-        </p:txBody>
-      </p:sp>
-      <p:sp>
-        <p:nvSpPr>
-          <p:cNvPr id="3" name="Content Placeholder 2">
-            <a:extLst>
-              <a:ext uri="{FF2B5EF4-FFF2-40B4-BE49-F238E27FC236}">
-                <a16:creationId xmlns:a16="http://schemas.microsoft.com/office/drawing/2014/main" id="{2BEF6A40-B26D-B459-5796-8C79650F7A91}"/>
-              </a:ext>
-            </a:extLst>
-          </p:cNvPr>
+            <a:endParaRPr lang="en-US" dirty="0"/>
+          </a:p>
+        </p:txBody>
+      </p:sp>
+      <p:sp>
+        <p:nvSpPr>
+          <p:cNvPr id="3" name="Content Placeholder 2"/>
           <p:cNvSpPr>
             <a:spLocks noGrp="1"/>
           </p:cNvSpPr>
@@ -837,18 +742,13 @@
               <a:rPr lang="en-US"/>
               <a:t>Fifth level</a:t>
             </a:r>
-          </a:p>
-        </p:txBody>
-      </p:sp>
-      <p:sp>
-        <p:nvSpPr>
-          <p:cNvPr id="4" name="Date Placeholder 3">
-            <a:extLst>
-              <a:ext uri="{FF2B5EF4-FFF2-40B4-BE49-F238E27FC236}">
-                <a16:creationId xmlns:a16="http://schemas.microsoft.com/office/drawing/2014/main" id="{BA0A334E-B10F-3EB2-2C31-4DA296EA9478}"/>
-              </a:ext>
-            </a:extLst>
-          </p:cNvPr>
+            <a:endParaRPr lang="en-US" dirty="0"/>
+          </a:p>
+        </p:txBody>
+      </p:sp>
+      <p:sp>
+        <p:nvSpPr>
+          <p:cNvPr id="4" name="Date Placeholder 3"/>
           <p:cNvSpPr>
             <a:spLocks noGrp="1"/>
           </p:cNvSpPr>
@@ -863,7 +763,7 @@
           <a:p>
             <a:fld id="{BE68067C-B7E2-40A3-A5E4-B47E01AE3DF3}" type="datetimeFigureOut">
               <a:rPr lang="en-US" smtClean="0"/>
-              <a:t>7/30/2025</a:t>
+              <a:t>12/20/2025</a:t>
             </a:fld>
             <a:endParaRPr lang="en-US"/>
           </a:p>
@@ -871,13 +771,7 @@
       </p:sp>
       <p:sp>
         <p:nvSpPr>
-          <p:cNvPr id="5" name="Footer Placeholder 4">
-            <a:extLst>
-              <a:ext uri="{FF2B5EF4-FFF2-40B4-BE49-F238E27FC236}">
-                <a16:creationId xmlns:a16="http://schemas.microsoft.com/office/drawing/2014/main" id="{195ADF9E-E853-14A1-170F-1A4C32DFA0D2}"/>
-              </a:ext>
-            </a:extLst>
-          </p:cNvPr>
+          <p:cNvPr id="5" name="Footer Placeholder 4"/>
           <p:cNvSpPr>
             <a:spLocks noGrp="1"/>
           </p:cNvSpPr>
@@ -896,13 +790,7 @@
       </p:sp>
       <p:sp>
         <p:nvSpPr>
-          <p:cNvPr id="6" name="Slide Number Placeholder 5">
-            <a:extLst>
-              <a:ext uri="{FF2B5EF4-FFF2-40B4-BE49-F238E27FC236}">
-                <a16:creationId xmlns:a16="http://schemas.microsoft.com/office/drawing/2014/main" id="{B098CED8-9535-4776-8C91-5A443D5DEBA5}"/>
-              </a:ext>
-            </a:extLst>
-          </p:cNvPr>
+          <p:cNvPr id="6" name="Slide Number Placeholder 5"/>
           <p:cNvSpPr>
             <a:spLocks noGrp="1"/>
           </p:cNvSpPr>
@@ -926,7 +814,7 @@
     </p:spTree>
     <p:extLst>
       <p:ext uri="{BB962C8B-B14F-4D97-AF65-F5344CB8AC3E}">
-        <p14:creationId xmlns:p14="http://schemas.microsoft.com/office/powerpoint/2010/main" val="1769788444"/>
+        <p14:creationId xmlns:p14="http://schemas.microsoft.com/office/powerpoint/2010/main" val="1530252503"/>
       </p:ext>
     </p:extLst>
   </p:cSld>
@@ -955,13 +843,7 @@
       </p:grpSpPr>
       <p:sp>
         <p:nvSpPr>
-          <p:cNvPr id="2" name="Title 1">
-            <a:extLst>
-              <a:ext uri="{FF2B5EF4-FFF2-40B4-BE49-F238E27FC236}">
-                <a16:creationId xmlns:a16="http://schemas.microsoft.com/office/drawing/2014/main" id="{737FE210-F974-59F7-0AD0-4BE9AB591B75}"/>
-              </a:ext>
-            </a:extLst>
-          </p:cNvPr>
+          <p:cNvPr id="2" name="Title 1"/>
           <p:cNvSpPr>
             <a:spLocks noGrp="1"/>
           </p:cNvSpPr>
@@ -971,15 +853,15 @@
         </p:nvSpPr>
         <p:spPr>
           <a:xfrm>
-            <a:off x="831850" y="1709738"/>
-            <a:ext cx="10515600" cy="2852737"/>
+            <a:off x="311944" y="1139826"/>
+            <a:ext cx="3943350" cy="1901825"/>
           </a:xfrm>
         </p:spPr>
         <p:txBody>
           <a:bodyPr anchor="b"/>
           <a:lstStyle>
             <a:lvl1pPr>
-              <a:defRPr sz="6000"/>
+              <a:defRPr sz="3000"/>
             </a:lvl1pPr>
           </a:lstStyle>
           <a:p>
@@ -987,18 +869,13 @@
               <a:rPr lang="en-US"/>
               <a:t>Click to edit Master title style</a:t>
             </a:r>
-          </a:p>
-        </p:txBody>
-      </p:sp>
-      <p:sp>
-        <p:nvSpPr>
-          <p:cNvPr id="3" name="Text Placeholder 2">
-            <a:extLst>
-              <a:ext uri="{FF2B5EF4-FFF2-40B4-BE49-F238E27FC236}">
-                <a16:creationId xmlns:a16="http://schemas.microsoft.com/office/drawing/2014/main" id="{A1B63CAE-8880-9CE3-741B-7E8591F558F3}"/>
-              </a:ext>
-            </a:extLst>
-          </p:cNvPr>
+            <a:endParaRPr lang="en-US" dirty="0"/>
+          </a:p>
+        </p:txBody>
+      </p:sp>
+      <p:sp>
+        <p:nvSpPr>
+          <p:cNvPr id="3" name="Text Placeholder 2"/>
           <p:cNvSpPr>
             <a:spLocks noGrp="1"/>
           </p:cNvSpPr>
@@ -1008,8 +885,8 @@
         </p:nvSpPr>
         <p:spPr>
           <a:xfrm>
-            <a:off x="831850" y="4589463"/>
-            <a:ext cx="10515600" cy="1500187"/>
+            <a:off x="311944" y="3059643"/>
+            <a:ext cx="3943350" cy="1000125"/>
           </a:xfrm>
         </p:spPr>
         <p:txBody>
@@ -1017,7 +894,7 @@
           <a:lstStyle>
             <a:lvl1pPr marL="0" indent="0">
               <a:buNone/>
-              <a:defRPr sz="2400">
+              <a:defRPr sz="1200">
                 <a:solidFill>
                   <a:schemeClr val="tx1">
                     <a:tint val="82000"/>
@@ -1025,9 +902,9 @@
                 </a:solidFill>
               </a:defRPr>
             </a:lvl1pPr>
-            <a:lvl2pPr marL="457200" indent="0">
-              <a:buNone/>
-              <a:defRPr sz="2000">
+            <a:lvl2pPr marL="228600" indent="0">
+              <a:buNone/>
+              <a:defRPr sz="1000">
                 <a:solidFill>
                   <a:schemeClr val="tx1">
                     <a:tint val="82000"/>
@@ -1035,9 +912,9 @@
                 </a:solidFill>
               </a:defRPr>
             </a:lvl2pPr>
-            <a:lvl3pPr marL="914400" indent="0">
-              <a:buNone/>
-              <a:defRPr sz="1800">
+            <a:lvl3pPr marL="457200" indent="0">
+              <a:buNone/>
+              <a:defRPr sz="900">
                 <a:solidFill>
                   <a:schemeClr val="tx1">
                     <a:tint val="82000"/>
@@ -1045,9 +922,9 @@
                 </a:solidFill>
               </a:defRPr>
             </a:lvl3pPr>
-            <a:lvl4pPr marL="1371600" indent="0">
-              <a:buNone/>
-              <a:defRPr sz="1600">
+            <a:lvl4pPr marL="685800" indent="0">
+              <a:buNone/>
+              <a:defRPr sz="800">
                 <a:solidFill>
                   <a:schemeClr val="tx1">
                     <a:tint val="82000"/>
@@ -1055,9 +932,9 @@
                 </a:solidFill>
               </a:defRPr>
             </a:lvl4pPr>
-            <a:lvl5pPr marL="1828800" indent="0">
-              <a:buNone/>
-              <a:defRPr sz="1600">
+            <a:lvl5pPr marL="914400" indent="0">
+              <a:buNone/>
+              <a:defRPr sz="800">
                 <a:solidFill>
                   <a:schemeClr val="tx1">
                     <a:tint val="82000"/>
@@ -1065,9 +942,9 @@
                 </a:solidFill>
               </a:defRPr>
             </a:lvl5pPr>
-            <a:lvl6pPr marL="2286000" indent="0">
-              <a:buNone/>
-              <a:defRPr sz="1600">
+            <a:lvl6pPr marL="1143000" indent="0">
+              <a:buNone/>
+              <a:defRPr sz="800">
                 <a:solidFill>
                   <a:schemeClr val="tx1">
                     <a:tint val="82000"/>
@@ -1075,9 +952,9 @@
                 </a:solidFill>
               </a:defRPr>
             </a:lvl6pPr>
-            <a:lvl7pPr marL="2743200" indent="0">
-              <a:buNone/>
-              <a:defRPr sz="1600">
+            <a:lvl7pPr marL="1371600" indent="0">
+              <a:buNone/>
+              <a:defRPr sz="800">
                 <a:solidFill>
                   <a:schemeClr val="tx1">
                     <a:tint val="82000"/>
@@ -1085,9 +962,9 @@
                 </a:solidFill>
               </a:defRPr>
             </a:lvl7pPr>
-            <a:lvl8pPr marL="3200400" indent="0">
-              <a:buNone/>
-              <a:defRPr sz="1600">
+            <a:lvl8pPr marL="1600200" indent="0">
+              <a:buNone/>
+              <a:defRPr sz="800">
                 <a:solidFill>
                   <a:schemeClr val="tx1">
                     <a:tint val="82000"/>
@@ -1095,9 +972,9 @@
                 </a:solidFill>
               </a:defRPr>
             </a:lvl8pPr>
-            <a:lvl9pPr marL="3657600" indent="0">
-              <a:buNone/>
-              <a:defRPr sz="1600">
+            <a:lvl9pPr marL="1828800" indent="0">
+              <a:buNone/>
+              <a:defRPr sz="800">
                 <a:solidFill>
                   <a:schemeClr val="tx1">
                     <a:tint val="82000"/>
@@ -1117,13 +994,7 @@
       </p:sp>
       <p:sp>
         <p:nvSpPr>
-          <p:cNvPr id="4" name="Date Placeholder 3">
-            <a:extLst>
-              <a:ext uri="{FF2B5EF4-FFF2-40B4-BE49-F238E27FC236}">
-                <a16:creationId xmlns:a16="http://schemas.microsoft.com/office/drawing/2014/main" id="{7C1E7BA2-A02E-79EE-9828-76D6025F5A00}"/>
-              </a:ext>
-            </a:extLst>
-          </p:cNvPr>
+          <p:cNvPr id="4" name="Date Placeholder 3"/>
           <p:cNvSpPr>
             <a:spLocks noGrp="1"/>
           </p:cNvSpPr>
@@ -1138,7 +1009,7 @@
           <a:p>
             <a:fld id="{BE68067C-B7E2-40A3-A5E4-B47E01AE3DF3}" type="datetimeFigureOut">
               <a:rPr lang="en-US" smtClean="0"/>
-              <a:t>7/30/2025</a:t>
+              <a:t>12/20/2025</a:t>
             </a:fld>
             <a:endParaRPr lang="en-US"/>
           </a:p>
@@ -1146,13 +1017,7 @@
       </p:sp>
       <p:sp>
         <p:nvSpPr>
-          <p:cNvPr id="5" name="Footer Placeholder 4">
-            <a:extLst>
-              <a:ext uri="{FF2B5EF4-FFF2-40B4-BE49-F238E27FC236}">
-                <a16:creationId xmlns:a16="http://schemas.microsoft.com/office/drawing/2014/main" id="{39037276-92A3-FA2A-25A1-7EF647D8D957}"/>
-              </a:ext>
-            </a:extLst>
-          </p:cNvPr>
+          <p:cNvPr id="5" name="Footer Placeholder 4"/>
           <p:cNvSpPr>
             <a:spLocks noGrp="1"/>
           </p:cNvSpPr>
@@ -1171,13 +1036,7 @@
       </p:sp>
       <p:sp>
         <p:nvSpPr>
-          <p:cNvPr id="6" name="Slide Number Placeholder 5">
-            <a:extLst>
-              <a:ext uri="{FF2B5EF4-FFF2-40B4-BE49-F238E27FC236}">
-                <a16:creationId xmlns:a16="http://schemas.microsoft.com/office/drawing/2014/main" id="{985B1CBE-9B0E-FDB1-1A6C-2F15FEAA2B01}"/>
-              </a:ext>
-            </a:extLst>
-          </p:cNvPr>
+          <p:cNvPr id="6" name="Slide Number Placeholder 5"/>
           <p:cNvSpPr>
             <a:spLocks noGrp="1"/>
           </p:cNvSpPr>
@@ -1201,7 +1060,7 @@
     </p:spTree>
     <p:extLst>
       <p:ext uri="{BB962C8B-B14F-4D97-AF65-F5344CB8AC3E}">
-        <p14:creationId xmlns:p14="http://schemas.microsoft.com/office/powerpoint/2010/main" val="3636614569"/>
+        <p14:creationId xmlns:p14="http://schemas.microsoft.com/office/powerpoint/2010/main" val="1573292378"/>
       </p:ext>
     </p:extLst>
   </p:cSld>
@@ -1230,13 +1089,7 @@
       </p:grpSpPr>
       <p:sp>
         <p:nvSpPr>
-          <p:cNvPr id="2" name="Title 1">
-            <a:extLst>
-              <a:ext uri="{FF2B5EF4-FFF2-40B4-BE49-F238E27FC236}">
-                <a16:creationId xmlns:a16="http://schemas.microsoft.com/office/drawing/2014/main" id="{D5C94292-51E9-E328-C08C-8C32EFBF9012}"/>
-              </a:ext>
-            </a:extLst>
-          </p:cNvPr>
+          <p:cNvPr id="2" name="Title 1"/>
           <p:cNvSpPr>
             <a:spLocks noGrp="1"/>
           </p:cNvSpPr>
@@ -1253,18 +1106,13 @@
               <a:rPr lang="en-US"/>
               <a:t>Click to edit Master title style</a:t>
             </a:r>
-          </a:p>
-        </p:txBody>
-      </p:sp>
-      <p:sp>
-        <p:nvSpPr>
-          <p:cNvPr id="3" name="Content Placeholder 2">
-            <a:extLst>
-              <a:ext uri="{FF2B5EF4-FFF2-40B4-BE49-F238E27FC236}">
-                <a16:creationId xmlns:a16="http://schemas.microsoft.com/office/drawing/2014/main" id="{D15DBE72-DFD7-A53D-EAD1-4F5EA9181A9C}"/>
-              </a:ext>
-            </a:extLst>
-          </p:cNvPr>
+            <a:endParaRPr lang="en-US" dirty="0"/>
+          </a:p>
+        </p:txBody>
+      </p:sp>
+      <p:sp>
+        <p:nvSpPr>
+          <p:cNvPr id="3" name="Content Placeholder 2"/>
           <p:cNvSpPr>
             <a:spLocks noGrp="1"/>
           </p:cNvSpPr>
@@ -1274,8 +1122,8 @@
         </p:nvSpPr>
         <p:spPr>
           <a:xfrm>
-            <a:off x="838200" y="1825625"/>
-            <a:ext cx="5181600" cy="4351338"/>
+            <a:off x="314325" y="1217083"/>
+            <a:ext cx="1943100" cy="2900892"/>
           </a:xfrm>
         </p:spPr>
         <p:txBody>
@@ -1315,18 +1163,13 @@
               <a:rPr lang="en-US"/>
               <a:t>Fifth level</a:t>
             </a:r>
-          </a:p>
-        </p:txBody>
-      </p:sp>
-      <p:sp>
-        <p:nvSpPr>
-          <p:cNvPr id="4" name="Content Placeholder 3">
-            <a:extLst>
-              <a:ext uri="{FF2B5EF4-FFF2-40B4-BE49-F238E27FC236}">
-                <a16:creationId xmlns:a16="http://schemas.microsoft.com/office/drawing/2014/main" id="{C1170058-2EB9-0C62-8F12-5D99706A5023}"/>
-              </a:ext>
-            </a:extLst>
-          </p:cNvPr>
+            <a:endParaRPr lang="en-US" dirty="0"/>
+          </a:p>
+        </p:txBody>
+      </p:sp>
+      <p:sp>
+        <p:nvSpPr>
+          <p:cNvPr id="4" name="Content Placeholder 3"/>
           <p:cNvSpPr>
             <a:spLocks noGrp="1"/>
           </p:cNvSpPr>
@@ -1336,8 +1179,8 @@
         </p:nvSpPr>
         <p:spPr>
           <a:xfrm>
-            <a:off x="6172200" y="1825625"/>
-            <a:ext cx="5181600" cy="4351338"/>
+            <a:off x="2314575" y="1217083"/>
+            <a:ext cx="1943100" cy="2900892"/>
           </a:xfrm>
         </p:spPr>
         <p:txBody>
@@ -1377,18 +1220,13 @@
               <a:rPr lang="en-US"/>
               <a:t>Fifth level</a:t>
             </a:r>
-          </a:p>
-        </p:txBody>
-      </p:sp>
-      <p:sp>
-        <p:nvSpPr>
-          <p:cNvPr id="5" name="Date Placeholder 4">
-            <a:extLst>
-              <a:ext uri="{FF2B5EF4-FFF2-40B4-BE49-F238E27FC236}">
-                <a16:creationId xmlns:a16="http://schemas.microsoft.com/office/drawing/2014/main" id="{28D49101-40E8-EDF3-637B-D3F9ED66F68F}"/>
-              </a:ext>
-            </a:extLst>
-          </p:cNvPr>
+            <a:endParaRPr lang="en-US" dirty="0"/>
+          </a:p>
+        </p:txBody>
+      </p:sp>
+      <p:sp>
+        <p:nvSpPr>
+          <p:cNvPr id="5" name="Date Placeholder 4"/>
           <p:cNvSpPr>
             <a:spLocks noGrp="1"/>
           </p:cNvSpPr>
@@ -1403,7 +1241,7 @@
           <a:p>
             <a:fld id="{BE68067C-B7E2-40A3-A5E4-B47E01AE3DF3}" type="datetimeFigureOut">
               <a:rPr lang="en-US" smtClean="0"/>
-              <a:t>7/30/2025</a:t>
+              <a:t>12/20/2025</a:t>
             </a:fld>
             <a:endParaRPr lang="en-US"/>
           </a:p>
@@ -1411,13 +1249,7 @@
       </p:sp>
       <p:sp>
         <p:nvSpPr>
-          <p:cNvPr id="6" name="Footer Placeholder 5">
-            <a:extLst>
-              <a:ext uri="{FF2B5EF4-FFF2-40B4-BE49-F238E27FC236}">
-                <a16:creationId xmlns:a16="http://schemas.microsoft.com/office/drawing/2014/main" id="{7F4B0E82-DB39-F826-8F6F-6A8E6CC2D768}"/>
-              </a:ext>
-            </a:extLst>
-          </p:cNvPr>
+          <p:cNvPr id="6" name="Footer Placeholder 5"/>
           <p:cNvSpPr>
             <a:spLocks noGrp="1"/>
           </p:cNvSpPr>
@@ -1436,13 +1268,7 @@
       </p:sp>
       <p:sp>
         <p:nvSpPr>
-          <p:cNvPr id="7" name="Slide Number Placeholder 6">
-            <a:extLst>
-              <a:ext uri="{FF2B5EF4-FFF2-40B4-BE49-F238E27FC236}">
-                <a16:creationId xmlns:a16="http://schemas.microsoft.com/office/drawing/2014/main" id="{7C631D9A-3F8C-1F73-563F-7340A39FF55F}"/>
-              </a:ext>
-            </a:extLst>
-          </p:cNvPr>
+          <p:cNvPr id="7" name="Slide Number Placeholder 6"/>
           <p:cNvSpPr>
             <a:spLocks noGrp="1"/>
           </p:cNvSpPr>
@@ -1466,7 +1292,7 @@
     </p:spTree>
     <p:extLst>
       <p:ext uri="{BB962C8B-B14F-4D97-AF65-F5344CB8AC3E}">
-        <p14:creationId xmlns:p14="http://schemas.microsoft.com/office/powerpoint/2010/main" val="3975434883"/>
+        <p14:creationId xmlns:p14="http://schemas.microsoft.com/office/powerpoint/2010/main" val="1625873358"/>
       </p:ext>
     </p:extLst>
   </p:cSld>
@@ -1495,13 +1321,7 @@
       </p:grpSpPr>
       <p:sp>
         <p:nvSpPr>
-          <p:cNvPr id="2" name="Title 1">
-            <a:extLst>
-              <a:ext uri="{FF2B5EF4-FFF2-40B4-BE49-F238E27FC236}">
-                <a16:creationId xmlns:a16="http://schemas.microsoft.com/office/drawing/2014/main" id="{0AD0903F-CDAD-C525-B97B-7446E8D2410F}"/>
-              </a:ext>
-            </a:extLst>
-          </p:cNvPr>
+          <p:cNvPr id="2" name="Title 1"/>
           <p:cNvSpPr>
             <a:spLocks noGrp="1"/>
           </p:cNvSpPr>
@@ -1511,8 +1331,8 @@
         </p:nvSpPr>
         <p:spPr>
           <a:xfrm>
-            <a:off x="839788" y="365125"/>
-            <a:ext cx="10515600" cy="1325563"/>
+            <a:off x="314921" y="243418"/>
+            <a:ext cx="3943350" cy="883709"/>
           </a:xfrm>
         </p:spPr>
         <p:txBody>
@@ -1523,18 +1343,13 @@
               <a:rPr lang="en-US"/>
               <a:t>Click to edit Master title style</a:t>
             </a:r>
-          </a:p>
-        </p:txBody>
-      </p:sp>
-      <p:sp>
-        <p:nvSpPr>
-          <p:cNvPr id="3" name="Text Placeholder 2">
-            <a:extLst>
-              <a:ext uri="{FF2B5EF4-FFF2-40B4-BE49-F238E27FC236}">
-                <a16:creationId xmlns:a16="http://schemas.microsoft.com/office/drawing/2014/main" id="{241AACF6-7894-0A1C-73F4-047AFCDA0A89}"/>
-              </a:ext>
-            </a:extLst>
-          </p:cNvPr>
+            <a:endParaRPr lang="en-US" dirty="0"/>
+          </a:p>
+        </p:txBody>
+      </p:sp>
+      <p:sp>
+        <p:nvSpPr>
+          <p:cNvPr id="3" name="Text Placeholder 2"/>
           <p:cNvSpPr>
             <a:spLocks noGrp="1"/>
           </p:cNvSpPr>
@@ -1544,8 +1359,8 @@
         </p:nvSpPr>
         <p:spPr>
           <a:xfrm>
-            <a:off x="839788" y="1681163"/>
-            <a:ext cx="5157787" cy="823912"/>
+            <a:off x="314921" y="1120775"/>
+            <a:ext cx="1934170" cy="549275"/>
           </a:xfrm>
         </p:spPr>
         <p:txBody>
@@ -1553,39 +1368,39 @@
           <a:lstStyle>
             <a:lvl1pPr marL="0" indent="0">
               <a:buNone/>
-              <a:defRPr sz="2400" b="1"/>
+              <a:defRPr sz="1200" b="1"/>
             </a:lvl1pPr>
-            <a:lvl2pPr marL="457200" indent="0">
-              <a:buNone/>
-              <a:defRPr sz="2000" b="1"/>
+            <a:lvl2pPr marL="228600" indent="0">
+              <a:buNone/>
+              <a:defRPr sz="1000" b="1"/>
             </a:lvl2pPr>
-            <a:lvl3pPr marL="914400" indent="0">
-              <a:buNone/>
-              <a:defRPr sz="1800" b="1"/>
+            <a:lvl3pPr marL="457200" indent="0">
+              <a:buNone/>
+              <a:defRPr sz="900" b="1"/>
             </a:lvl3pPr>
-            <a:lvl4pPr marL="1371600" indent="0">
-              <a:buNone/>
-              <a:defRPr sz="1600" b="1"/>
+            <a:lvl4pPr marL="685800" indent="0">
+              <a:buNone/>
+              <a:defRPr sz="800" b="1"/>
             </a:lvl4pPr>
-            <a:lvl5pPr marL="1828800" indent="0">
-              <a:buNone/>
-              <a:defRPr sz="1600" b="1"/>
+            <a:lvl5pPr marL="914400" indent="0">
+              <a:buNone/>
+              <a:defRPr sz="800" b="1"/>
             </a:lvl5pPr>
-            <a:lvl6pPr marL="2286000" indent="0">
-              <a:buNone/>
-              <a:defRPr sz="1600" b="1"/>
+            <a:lvl6pPr marL="1143000" indent="0">
+              <a:buNone/>
+              <a:defRPr sz="800" b="1"/>
             </a:lvl6pPr>
-            <a:lvl7pPr marL="2743200" indent="0">
-              <a:buNone/>
-              <a:defRPr sz="1600" b="1"/>
+            <a:lvl7pPr marL="1371600" indent="0">
+              <a:buNone/>
+              <a:defRPr sz="800" b="1"/>
             </a:lvl7pPr>
-            <a:lvl8pPr marL="3200400" indent="0">
-              <a:buNone/>
-              <a:defRPr sz="1600" b="1"/>
+            <a:lvl8pPr marL="1600200" indent="0">
+              <a:buNone/>
+              <a:defRPr sz="800" b="1"/>
             </a:lvl8pPr>
-            <a:lvl9pPr marL="3657600" indent="0">
-              <a:buNone/>
-              <a:defRPr sz="1600" b="1"/>
+            <a:lvl9pPr marL="1828800" indent="0">
+              <a:buNone/>
+              <a:defRPr sz="800" b="1"/>
             </a:lvl9pPr>
           </a:lstStyle>
           <a:p>
@@ -1599,13 +1414,7 @@
       </p:sp>
       <p:sp>
         <p:nvSpPr>
-          <p:cNvPr id="4" name="Content Placeholder 3">
-            <a:extLst>
-              <a:ext uri="{FF2B5EF4-FFF2-40B4-BE49-F238E27FC236}">
-                <a16:creationId xmlns:a16="http://schemas.microsoft.com/office/drawing/2014/main" id="{986CC5F0-A861-04A9-D7BB-CE0D37D75D12}"/>
-              </a:ext>
-            </a:extLst>
-          </p:cNvPr>
+          <p:cNvPr id="4" name="Content Placeholder 3"/>
           <p:cNvSpPr>
             <a:spLocks noGrp="1"/>
           </p:cNvSpPr>
@@ -1615,8 +1424,8 @@
         </p:nvSpPr>
         <p:spPr>
           <a:xfrm>
-            <a:off x="839788" y="2505075"/>
-            <a:ext cx="5157787" cy="3684588"/>
+            <a:off x="314921" y="1670050"/>
+            <a:ext cx="1934170" cy="2456392"/>
           </a:xfrm>
         </p:spPr>
         <p:txBody>
@@ -1656,18 +1465,13 @@
               <a:rPr lang="en-US"/>
               <a:t>Fifth level</a:t>
             </a:r>
-          </a:p>
-        </p:txBody>
-      </p:sp>
-      <p:sp>
-        <p:nvSpPr>
-          <p:cNvPr id="5" name="Text Placeholder 4">
-            <a:extLst>
-              <a:ext uri="{FF2B5EF4-FFF2-40B4-BE49-F238E27FC236}">
-                <a16:creationId xmlns:a16="http://schemas.microsoft.com/office/drawing/2014/main" id="{3D23761E-4E50-1B35-EA0C-8CC7B9B3E58E}"/>
-              </a:ext>
-            </a:extLst>
-          </p:cNvPr>
+            <a:endParaRPr lang="en-US" dirty="0"/>
+          </a:p>
+        </p:txBody>
+      </p:sp>
+      <p:sp>
+        <p:nvSpPr>
+          <p:cNvPr id="5" name="Text Placeholder 4"/>
           <p:cNvSpPr>
             <a:spLocks noGrp="1"/>
           </p:cNvSpPr>
@@ -1677,8 +1481,8 @@
         </p:nvSpPr>
         <p:spPr>
           <a:xfrm>
-            <a:off x="6172200" y="1681163"/>
-            <a:ext cx="5183188" cy="823912"/>
+            <a:off x="2314575" y="1120775"/>
+            <a:ext cx="1943696" cy="549275"/>
           </a:xfrm>
         </p:spPr>
         <p:txBody>
@@ -1686,39 +1490,39 @@
           <a:lstStyle>
             <a:lvl1pPr marL="0" indent="0">
               <a:buNone/>
-              <a:defRPr sz="2400" b="1"/>
+              <a:defRPr sz="1200" b="1"/>
             </a:lvl1pPr>
-            <a:lvl2pPr marL="457200" indent="0">
-              <a:buNone/>
-              <a:defRPr sz="2000" b="1"/>
+            <a:lvl2pPr marL="228600" indent="0">
+              <a:buNone/>
+              <a:defRPr sz="1000" b="1"/>
             </a:lvl2pPr>
-            <a:lvl3pPr marL="914400" indent="0">
-              <a:buNone/>
-              <a:defRPr sz="1800" b="1"/>
+            <a:lvl3pPr marL="457200" indent="0">
+              <a:buNone/>
+              <a:defRPr sz="900" b="1"/>
             </a:lvl3pPr>
-            <a:lvl4pPr marL="1371600" indent="0">
-              <a:buNone/>
-              <a:defRPr sz="1600" b="1"/>
+            <a:lvl4pPr marL="685800" indent="0">
+              <a:buNone/>
+              <a:defRPr sz="800" b="1"/>
             </a:lvl4pPr>
-            <a:lvl5pPr marL="1828800" indent="0">
-              <a:buNone/>
-              <a:defRPr sz="1600" b="1"/>
+            <a:lvl5pPr marL="914400" indent="0">
+              <a:buNone/>
+              <a:defRPr sz="800" b="1"/>
             </a:lvl5pPr>
-            <a:lvl6pPr marL="2286000" indent="0">
-              <a:buNone/>
-              <a:defRPr sz="1600" b="1"/>
+            <a:lvl6pPr marL="1143000" indent="0">
+              <a:buNone/>
+              <a:defRPr sz="800" b="1"/>
             </a:lvl6pPr>
-            <a:lvl7pPr marL="2743200" indent="0">
-              <a:buNone/>
-              <a:defRPr sz="1600" b="1"/>
+            <a:lvl7pPr marL="1371600" indent="0">
+              <a:buNone/>
+              <a:defRPr sz="800" b="1"/>
             </a:lvl7pPr>
-            <a:lvl8pPr marL="3200400" indent="0">
-              <a:buNone/>
-              <a:defRPr sz="1600" b="1"/>
+            <a:lvl8pPr marL="1600200" indent="0">
+              <a:buNone/>
+              <a:defRPr sz="800" b="1"/>
             </a:lvl8pPr>
-            <a:lvl9pPr marL="3657600" indent="0">
-              <a:buNone/>
-              <a:defRPr sz="1600" b="1"/>
+            <a:lvl9pPr marL="1828800" indent="0">
+              <a:buNone/>
+              <a:defRPr sz="800" b="1"/>
             </a:lvl9pPr>
           </a:lstStyle>
           <a:p>
@@ -1732,13 +1536,7 @@
       </p:sp>
       <p:sp>
         <p:nvSpPr>
-          <p:cNvPr id="6" name="Content Placeholder 5">
-            <a:extLst>
-              <a:ext uri="{FF2B5EF4-FFF2-40B4-BE49-F238E27FC236}">
-                <a16:creationId xmlns:a16="http://schemas.microsoft.com/office/drawing/2014/main" id="{51CBA5A6-FDF6-A506-5C39-AA3FFDA4B9FC}"/>
-              </a:ext>
-            </a:extLst>
-          </p:cNvPr>
+          <p:cNvPr id="6" name="Content Placeholder 5"/>
           <p:cNvSpPr>
             <a:spLocks noGrp="1"/>
           </p:cNvSpPr>
@@ -1748,8 +1546,8 @@
         </p:nvSpPr>
         <p:spPr>
           <a:xfrm>
-            <a:off x="6172200" y="2505075"/>
-            <a:ext cx="5183188" cy="3684588"/>
+            <a:off x="2314575" y="1670050"/>
+            <a:ext cx="1943696" cy="2456392"/>
           </a:xfrm>
         </p:spPr>
         <p:txBody>
@@ -1789,18 +1587,13 @@
               <a:rPr lang="en-US"/>
               <a:t>Fifth level</a:t>
             </a:r>
-          </a:p>
-        </p:txBody>
-      </p:sp>
-      <p:sp>
-        <p:nvSpPr>
-          <p:cNvPr id="7" name="Date Placeholder 6">
-            <a:extLst>
-              <a:ext uri="{FF2B5EF4-FFF2-40B4-BE49-F238E27FC236}">
-                <a16:creationId xmlns:a16="http://schemas.microsoft.com/office/drawing/2014/main" id="{5D9C86FA-FFCE-55F6-1B10-404BBD14254F}"/>
-              </a:ext>
-            </a:extLst>
-          </p:cNvPr>
+            <a:endParaRPr lang="en-US" dirty="0"/>
+          </a:p>
+        </p:txBody>
+      </p:sp>
+      <p:sp>
+        <p:nvSpPr>
+          <p:cNvPr id="7" name="Date Placeholder 6"/>
           <p:cNvSpPr>
             <a:spLocks noGrp="1"/>
           </p:cNvSpPr>
@@ -1815,7 +1608,7 @@
           <a:p>
             <a:fld id="{BE68067C-B7E2-40A3-A5E4-B47E01AE3DF3}" type="datetimeFigureOut">
               <a:rPr lang="en-US" smtClean="0"/>
-              <a:t>7/30/2025</a:t>
+              <a:t>12/20/2025</a:t>
             </a:fld>
             <a:endParaRPr lang="en-US"/>
           </a:p>
@@ -1823,13 +1616,7 @@
       </p:sp>
       <p:sp>
         <p:nvSpPr>
-          <p:cNvPr id="8" name="Footer Placeholder 7">
-            <a:extLst>
-              <a:ext uri="{FF2B5EF4-FFF2-40B4-BE49-F238E27FC236}">
-                <a16:creationId xmlns:a16="http://schemas.microsoft.com/office/drawing/2014/main" id="{6AC63A1B-F2D0-E61E-9A3A-B398EB449271}"/>
-              </a:ext>
-            </a:extLst>
-          </p:cNvPr>
+          <p:cNvPr id="8" name="Footer Placeholder 7"/>
           <p:cNvSpPr>
             <a:spLocks noGrp="1"/>
           </p:cNvSpPr>
@@ -1848,13 +1635,7 @@
       </p:sp>
       <p:sp>
         <p:nvSpPr>
-          <p:cNvPr id="9" name="Slide Number Placeholder 8">
-            <a:extLst>
-              <a:ext uri="{FF2B5EF4-FFF2-40B4-BE49-F238E27FC236}">
-                <a16:creationId xmlns:a16="http://schemas.microsoft.com/office/drawing/2014/main" id="{DED2015D-BBBD-6562-EA7F-B2E54057D551}"/>
-              </a:ext>
-            </a:extLst>
-          </p:cNvPr>
+          <p:cNvPr id="9" name="Slide Number Placeholder 8"/>
           <p:cNvSpPr>
             <a:spLocks noGrp="1"/>
           </p:cNvSpPr>
@@ -1878,7 +1659,7 @@
     </p:spTree>
     <p:extLst>
       <p:ext uri="{BB962C8B-B14F-4D97-AF65-F5344CB8AC3E}">
-        <p14:creationId xmlns:p14="http://schemas.microsoft.com/office/powerpoint/2010/main" val="2526117560"/>
+        <p14:creationId xmlns:p14="http://schemas.microsoft.com/office/powerpoint/2010/main" val="3844387505"/>
       </p:ext>
     </p:extLst>
   </p:cSld>
@@ -1907,13 +1688,7 @@
       </p:grpSpPr>
       <p:sp>
         <p:nvSpPr>
-          <p:cNvPr id="2" name="Title 1">
-            <a:extLst>
-              <a:ext uri="{FF2B5EF4-FFF2-40B4-BE49-F238E27FC236}">
-                <a16:creationId xmlns:a16="http://schemas.microsoft.com/office/drawing/2014/main" id="{307AAE09-A2E8-751B-A3E4-1AC2FDFB6260}"/>
-              </a:ext>
-            </a:extLst>
-          </p:cNvPr>
+          <p:cNvPr id="2" name="Title 1"/>
           <p:cNvSpPr>
             <a:spLocks noGrp="1"/>
           </p:cNvSpPr>
@@ -1930,18 +1705,13 @@
               <a:rPr lang="en-US"/>
               <a:t>Click to edit Master title style</a:t>
             </a:r>
-          </a:p>
-        </p:txBody>
-      </p:sp>
-      <p:sp>
-        <p:nvSpPr>
-          <p:cNvPr id="3" name="Date Placeholder 2">
-            <a:extLst>
-              <a:ext uri="{FF2B5EF4-FFF2-40B4-BE49-F238E27FC236}">
-                <a16:creationId xmlns:a16="http://schemas.microsoft.com/office/drawing/2014/main" id="{22B17854-89A9-9D17-CE3A-F7BB58EC825A}"/>
-              </a:ext>
-            </a:extLst>
-          </p:cNvPr>
+            <a:endParaRPr lang="en-US" dirty="0"/>
+          </a:p>
+        </p:txBody>
+      </p:sp>
+      <p:sp>
+        <p:nvSpPr>
+          <p:cNvPr id="3" name="Date Placeholder 2"/>
           <p:cNvSpPr>
             <a:spLocks noGrp="1"/>
           </p:cNvSpPr>
@@ -1956,7 +1726,7 @@
           <a:p>
             <a:fld id="{BE68067C-B7E2-40A3-A5E4-B47E01AE3DF3}" type="datetimeFigureOut">
               <a:rPr lang="en-US" smtClean="0"/>
-              <a:t>7/30/2025</a:t>
+              <a:t>12/20/2025</a:t>
             </a:fld>
             <a:endParaRPr lang="en-US"/>
           </a:p>
@@ -1964,13 +1734,7 @@
       </p:sp>
       <p:sp>
         <p:nvSpPr>
-          <p:cNvPr id="4" name="Footer Placeholder 3">
-            <a:extLst>
-              <a:ext uri="{FF2B5EF4-FFF2-40B4-BE49-F238E27FC236}">
-                <a16:creationId xmlns:a16="http://schemas.microsoft.com/office/drawing/2014/main" id="{D79CB919-463E-6672-F06B-3C6F373A8F6E}"/>
-              </a:ext>
-            </a:extLst>
-          </p:cNvPr>
+          <p:cNvPr id="4" name="Footer Placeholder 3"/>
           <p:cNvSpPr>
             <a:spLocks noGrp="1"/>
           </p:cNvSpPr>
@@ -1989,13 +1753,7 @@
       </p:sp>
       <p:sp>
         <p:nvSpPr>
-          <p:cNvPr id="5" name="Slide Number Placeholder 4">
-            <a:extLst>
-              <a:ext uri="{FF2B5EF4-FFF2-40B4-BE49-F238E27FC236}">
-                <a16:creationId xmlns:a16="http://schemas.microsoft.com/office/drawing/2014/main" id="{A7D8D835-1727-F898-1E2D-5D609F17957F}"/>
-              </a:ext>
-            </a:extLst>
-          </p:cNvPr>
+          <p:cNvPr id="5" name="Slide Number Placeholder 4"/>
           <p:cNvSpPr>
             <a:spLocks noGrp="1"/>
           </p:cNvSpPr>
@@ -2019,7 +1777,7 @@
     </p:spTree>
     <p:extLst>
       <p:ext uri="{BB962C8B-B14F-4D97-AF65-F5344CB8AC3E}">
-        <p14:creationId xmlns:p14="http://schemas.microsoft.com/office/powerpoint/2010/main" val="584820199"/>
+        <p14:creationId xmlns:p14="http://schemas.microsoft.com/office/powerpoint/2010/main" val="35567150"/>
       </p:ext>
     </p:extLst>
   </p:cSld>
@@ -2048,13 +1806,7 @@
       </p:grpSpPr>
       <p:sp>
         <p:nvSpPr>
-          <p:cNvPr id="2" name="Date Placeholder 1">
-            <a:extLst>
-              <a:ext uri="{FF2B5EF4-FFF2-40B4-BE49-F238E27FC236}">
-                <a16:creationId xmlns:a16="http://schemas.microsoft.com/office/drawing/2014/main" id="{680141F7-D8E8-5C02-B20C-5EE209F0E391}"/>
-              </a:ext>
-            </a:extLst>
-          </p:cNvPr>
+          <p:cNvPr id="2" name="Date Placeholder 1"/>
           <p:cNvSpPr>
             <a:spLocks noGrp="1"/>
           </p:cNvSpPr>
@@ -2069,7 +1821,7 @@
           <a:p>
             <a:fld id="{BE68067C-B7E2-40A3-A5E4-B47E01AE3DF3}" type="datetimeFigureOut">
               <a:rPr lang="en-US" smtClean="0"/>
-              <a:t>7/30/2025</a:t>
+              <a:t>12/20/2025</a:t>
             </a:fld>
             <a:endParaRPr lang="en-US"/>
           </a:p>
@@ -2077,13 +1829,7 @@
       </p:sp>
       <p:sp>
         <p:nvSpPr>
-          <p:cNvPr id="3" name="Footer Placeholder 2">
-            <a:extLst>
-              <a:ext uri="{FF2B5EF4-FFF2-40B4-BE49-F238E27FC236}">
-                <a16:creationId xmlns:a16="http://schemas.microsoft.com/office/drawing/2014/main" id="{FF0B9DF0-3B13-A25E-7141-6BC3AAF0A93C}"/>
-              </a:ext>
-            </a:extLst>
-          </p:cNvPr>
+          <p:cNvPr id="3" name="Footer Placeholder 2"/>
           <p:cNvSpPr>
             <a:spLocks noGrp="1"/>
           </p:cNvSpPr>
@@ -2102,13 +1848,7 @@
       </p:sp>
       <p:sp>
         <p:nvSpPr>
-          <p:cNvPr id="4" name="Slide Number Placeholder 3">
-            <a:extLst>
-              <a:ext uri="{FF2B5EF4-FFF2-40B4-BE49-F238E27FC236}">
-                <a16:creationId xmlns:a16="http://schemas.microsoft.com/office/drawing/2014/main" id="{B745662D-CE8E-0EB2-C59E-BBDA1C4FAEAF}"/>
-              </a:ext>
-            </a:extLst>
-          </p:cNvPr>
+          <p:cNvPr id="4" name="Slide Number Placeholder 3"/>
           <p:cNvSpPr>
             <a:spLocks noGrp="1"/>
           </p:cNvSpPr>
@@ -2132,7 +1872,7 @@
     </p:spTree>
     <p:extLst>
       <p:ext uri="{BB962C8B-B14F-4D97-AF65-F5344CB8AC3E}">
-        <p14:creationId xmlns:p14="http://schemas.microsoft.com/office/powerpoint/2010/main" val="2306091373"/>
+        <p14:creationId xmlns:p14="http://schemas.microsoft.com/office/powerpoint/2010/main" val="2547939131"/>
       </p:ext>
     </p:extLst>
   </p:cSld>
@@ -2161,13 +1901,7 @@
       </p:grpSpPr>
       <p:sp>
         <p:nvSpPr>
-          <p:cNvPr id="2" name="Title 1">
-            <a:extLst>
-              <a:ext uri="{FF2B5EF4-FFF2-40B4-BE49-F238E27FC236}">
-                <a16:creationId xmlns:a16="http://schemas.microsoft.com/office/drawing/2014/main" id="{3CED6107-0303-314F-788D-539B381060D8}"/>
-              </a:ext>
-            </a:extLst>
-          </p:cNvPr>
+          <p:cNvPr id="2" name="Title 1"/>
           <p:cNvSpPr>
             <a:spLocks noGrp="1"/>
           </p:cNvSpPr>
@@ -2177,15 +1911,15 @@
         </p:nvSpPr>
         <p:spPr>
           <a:xfrm>
-            <a:off x="839788" y="457200"/>
-            <a:ext cx="3932237" cy="1600200"/>
+            <a:off x="314921" y="304800"/>
+            <a:ext cx="1474589" cy="1066800"/>
           </a:xfrm>
         </p:spPr>
         <p:txBody>
           <a:bodyPr anchor="b"/>
           <a:lstStyle>
             <a:lvl1pPr>
-              <a:defRPr sz="3200"/>
+              <a:defRPr sz="1600"/>
             </a:lvl1pPr>
           </a:lstStyle>
           <a:p>
@@ -2193,18 +1927,13 @@
               <a:rPr lang="en-US"/>
               <a:t>Click to edit Master title style</a:t>
             </a:r>
-          </a:p>
-        </p:txBody>
-      </p:sp>
-      <p:sp>
-        <p:nvSpPr>
-          <p:cNvPr id="3" name="Content Placeholder 2">
-            <a:extLst>
-              <a:ext uri="{FF2B5EF4-FFF2-40B4-BE49-F238E27FC236}">
-                <a16:creationId xmlns:a16="http://schemas.microsoft.com/office/drawing/2014/main" id="{C5495ECC-A37A-E1FB-7915-EDB3A6CD1709}"/>
-              </a:ext>
-            </a:extLst>
-          </p:cNvPr>
+            <a:endParaRPr lang="en-US" dirty="0"/>
+          </a:p>
+        </p:txBody>
+      </p:sp>
+      <p:sp>
+        <p:nvSpPr>
+          <p:cNvPr id="3" name="Content Placeholder 2"/>
           <p:cNvSpPr>
             <a:spLocks noGrp="1"/>
           </p:cNvSpPr>
@@ -2214,137 +1943,38 @@
         </p:nvSpPr>
         <p:spPr>
           <a:xfrm>
-            <a:off x="5183188" y="987425"/>
-            <a:ext cx="6172200" cy="4873625"/>
+            <a:off x="1943695" y="658285"/>
+            <a:ext cx="2314575" cy="3249083"/>
           </a:xfrm>
         </p:spPr>
         <p:txBody>
           <a:bodyPr/>
           <a:lstStyle>
             <a:lvl1pPr>
-              <a:defRPr sz="3200"/>
+              <a:defRPr sz="1600"/>
             </a:lvl1pPr>
             <a:lvl2pPr>
-              <a:defRPr sz="2800"/>
+              <a:defRPr sz="1400"/>
             </a:lvl2pPr>
             <a:lvl3pPr>
-              <a:defRPr sz="2400"/>
+              <a:defRPr sz="1200"/>
             </a:lvl3pPr>
             <a:lvl4pPr>
-              <a:defRPr sz="2000"/>
+              <a:defRPr sz="1000"/>
             </a:lvl4pPr>
             <a:lvl5pPr>
-              <a:defRPr sz="2000"/>
+              <a:defRPr sz="1000"/>
             </a:lvl5pPr>
             <a:lvl6pPr>
-              <a:defRPr sz="2000"/>
+              <a:defRPr sz="1000"/>
             </a:lvl6pPr>
             <a:lvl7pPr>
-              <a:defRPr sz="2000"/>
+              <a:defRPr sz="1000"/>
             </a:lvl7pPr>
             <a:lvl8pPr>
-              <a:defRPr sz="2000"/>
+              <a:defRPr sz="1000"/>
             </a:lvl8pPr>
             <a:lvl9pPr>
-              <a:defRPr sz="2000"/>
-            </a:lvl9pPr>
-          </a:lstStyle>
-          <a:p>
-            <a:pPr lvl="0"/>
-            <a:r>
-              <a:rPr lang="en-US"/>
-              <a:t>Click to edit Master text styles</a:t>
-            </a:r>
-          </a:p>
-          <a:p>
-            <a:pPr lvl="1"/>
-            <a:r>
-              <a:rPr lang="en-US"/>
-              <a:t>Second level</a:t>
-            </a:r>
-          </a:p>
-          <a:p>
-            <a:pPr lvl="2"/>
-            <a:r>
-              <a:rPr lang="en-US"/>
-              <a:t>Third level</a:t>
-            </a:r>
-          </a:p>
-          <a:p>
-            <a:pPr lvl="3"/>
-            <a:r>
-              <a:rPr lang="en-US"/>
-              <a:t>Fourth level</a:t>
-            </a:r>
-          </a:p>
-          <a:p>
-            <a:pPr lvl="4"/>
-            <a:r>
-              <a:rPr lang="en-US"/>
-              <a:t>Fifth level</a:t>
-            </a:r>
-          </a:p>
-        </p:txBody>
-      </p:sp>
-      <p:sp>
-        <p:nvSpPr>
-          <p:cNvPr id="4" name="Text Placeholder 3">
-            <a:extLst>
-              <a:ext uri="{FF2B5EF4-FFF2-40B4-BE49-F238E27FC236}">
-                <a16:creationId xmlns:a16="http://schemas.microsoft.com/office/drawing/2014/main" id="{A8BBE8E2-99EC-D33B-6BCF-DE4C5ABAB26A}"/>
-              </a:ext>
-            </a:extLst>
-          </p:cNvPr>
-          <p:cNvSpPr>
-            <a:spLocks noGrp="1"/>
-          </p:cNvSpPr>
-          <p:nvPr>
-            <p:ph type="body" sz="half" idx="2"/>
-          </p:nvPr>
-        </p:nvSpPr>
-        <p:spPr>
-          <a:xfrm>
-            <a:off x="839788" y="2057400"/>
-            <a:ext cx="3932237" cy="3811588"/>
-          </a:xfrm>
-        </p:spPr>
-        <p:txBody>
-          <a:bodyPr/>
-          <a:lstStyle>
-            <a:lvl1pPr marL="0" indent="0">
-              <a:buNone/>
-              <a:defRPr sz="1600"/>
-            </a:lvl1pPr>
-            <a:lvl2pPr marL="457200" indent="0">
-              <a:buNone/>
-              <a:defRPr sz="1400"/>
-            </a:lvl2pPr>
-            <a:lvl3pPr marL="914400" indent="0">
-              <a:buNone/>
-              <a:defRPr sz="1200"/>
-            </a:lvl3pPr>
-            <a:lvl4pPr marL="1371600" indent="0">
-              <a:buNone/>
-              <a:defRPr sz="1000"/>
-            </a:lvl4pPr>
-            <a:lvl5pPr marL="1828800" indent="0">
-              <a:buNone/>
-              <a:defRPr sz="1000"/>
-            </a:lvl5pPr>
-            <a:lvl6pPr marL="2286000" indent="0">
-              <a:buNone/>
-              <a:defRPr sz="1000"/>
-            </a:lvl6pPr>
-            <a:lvl7pPr marL="2743200" indent="0">
-              <a:buNone/>
-              <a:defRPr sz="1000"/>
-            </a:lvl7pPr>
-            <a:lvl8pPr marL="3200400" indent="0">
-              <a:buNone/>
-              <a:defRPr sz="1000"/>
-            </a:lvl8pPr>
-            <a:lvl9pPr marL="3657600" indent="0">
-              <a:buNone/>
               <a:defRPr sz="1000"/>
             </a:lvl9pPr>
           </a:lstStyle>
@@ -2355,17 +1985,105 @@
               <a:t>Click to edit Master text styles</a:t>
             </a:r>
           </a:p>
-        </p:txBody>
-      </p:sp>
-      <p:sp>
-        <p:nvSpPr>
-          <p:cNvPr id="5" name="Date Placeholder 4">
-            <a:extLst>
-              <a:ext uri="{FF2B5EF4-FFF2-40B4-BE49-F238E27FC236}">
-                <a16:creationId xmlns:a16="http://schemas.microsoft.com/office/drawing/2014/main" id="{44C15A0D-C4CB-E4CA-78AE-02556EFFA640}"/>
-              </a:ext>
-            </a:extLst>
-          </p:cNvPr>
+          <a:p>
+            <a:pPr lvl="1"/>
+            <a:r>
+              <a:rPr lang="en-US"/>
+              <a:t>Second level</a:t>
+            </a:r>
+          </a:p>
+          <a:p>
+            <a:pPr lvl="2"/>
+            <a:r>
+              <a:rPr lang="en-US"/>
+              <a:t>Third level</a:t>
+            </a:r>
+          </a:p>
+          <a:p>
+            <a:pPr lvl="3"/>
+            <a:r>
+              <a:rPr lang="en-US"/>
+              <a:t>Fourth level</a:t>
+            </a:r>
+          </a:p>
+          <a:p>
+            <a:pPr lvl="4"/>
+            <a:r>
+              <a:rPr lang="en-US"/>
+              <a:t>Fifth level</a:t>
+            </a:r>
+            <a:endParaRPr lang="en-US" dirty="0"/>
+          </a:p>
+        </p:txBody>
+      </p:sp>
+      <p:sp>
+        <p:nvSpPr>
+          <p:cNvPr id="4" name="Text Placeholder 3"/>
+          <p:cNvSpPr>
+            <a:spLocks noGrp="1"/>
+          </p:cNvSpPr>
+          <p:nvPr>
+            <p:ph type="body" sz="half" idx="2"/>
+          </p:nvPr>
+        </p:nvSpPr>
+        <p:spPr>
+          <a:xfrm>
+            <a:off x="314921" y="1371600"/>
+            <a:ext cx="1474589" cy="2541059"/>
+          </a:xfrm>
+        </p:spPr>
+        <p:txBody>
+          <a:bodyPr/>
+          <a:lstStyle>
+            <a:lvl1pPr marL="0" indent="0">
+              <a:buNone/>
+              <a:defRPr sz="800"/>
+            </a:lvl1pPr>
+            <a:lvl2pPr marL="228600" indent="0">
+              <a:buNone/>
+              <a:defRPr sz="700"/>
+            </a:lvl2pPr>
+            <a:lvl3pPr marL="457200" indent="0">
+              <a:buNone/>
+              <a:defRPr sz="600"/>
+            </a:lvl3pPr>
+            <a:lvl4pPr marL="685800" indent="0">
+              <a:buNone/>
+              <a:defRPr sz="500"/>
+            </a:lvl4pPr>
+            <a:lvl5pPr marL="914400" indent="0">
+              <a:buNone/>
+              <a:defRPr sz="500"/>
+            </a:lvl5pPr>
+            <a:lvl6pPr marL="1143000" indent="0">
+              <a:buNone/>
+              <a:defRPr sz="500"/>
+            </a:lvl6pPr>
+            <a:lvl7pPr marL="1371600" indent="0">
+              <a:buNone/>
+              <a:defRPr sz="500"/>
+            </a:lvl7pPr>
+            <a:lvl8pPr marL="1600200" indent="0">
+              <a:buNone/>
+              <a:defRPr sz="500"/>
+            </a:lvl8pPr>
+            <a:lvl9pPr marL="1828800" indent="0">
+              <a:buNone/>
+              <a:defRPr sz="500"/>
+            </a:lvl9pPr>
+          </a:lstStyle>
+          <a:p>
+            <a:pPr lvl="0"/>
+            <a:r>
+              <a:rPr lang="en-US"/>
+              <a:t>Click to edit Master text styles</a:t>
+            </a:r>
+          </a:p>
+        </p:txBody>
+      </p:sp>
+      <p:sp>
+        <p:nvSpPr>
+          <p:cNvPr id="5" name="Date Placeholder 4"/>
           <p:cNvSpPr>
             <a:spLocks noGrp="1"/>
           </p:cNvSpPr>
@@ -2380,7 +2098,7 @@
           <a:p>
             <a:fld id="{BE68067C-B7E2-40A3-A5E4-B47E01AE3DF3}" type="datetimeFigureOut">
               <a:rPr lang="en-US" smtClean="0"/>
-              <a:t>7/30/2025</a:t>
+              <a:t>12/20/2025</a:t>
             </a:fld>
             <a:endParaRPr lang="en-US"/>
           </a:p>
@@ -2388,13 +2106,7 @@
       </p:sp>
       <p:sp>
         <p:nvSpPr>
-          <p:cNvPr id="6" name="Footer Placeholder 5">
-            <a:extLst>
-              <a:ext uri="{FF2B5EF4-FFF2-40B4-BE49-F238E27FC236}">
-                <a16:creationId xmlns:a16="http://schemas.microsoft.com/office/drawing/2014/main" id="{1F3A3250-9ADA-5787-FF4D-327674DD9353}"/>
-              </a:ext>
-            </a:extLst>
-          </p:cNvPr>
+          <p:cNvPr id="6" name="Footer Placeholder 5"/>
           <p:cNvSpPr>
             <a:spLocks noGrp="1"/>
           </p:cNvSpPr>
@@ -2413,13 +2125,7 @@
       </p:sp>
       <p:sp>
         <p:nvSpPr>
-          <p:cNvPr id="7" name="Slide Number Placeholder 6">
-            <a:extLst>
-              <a:ext uri="{FF2B5EF4-FFF2-40B4-BE49-F238E27FC236}">
-                <a16:creationId xmlns:a16="http://schemas.microsoft.com/office/drawing/2014/main" id="{05EDA9F9-813E-3B4E-3F71-11179E779043}"/>
-              </a:ext>
-            </a:extLst>
-          </p:cNvPr>
+          <p:cNvPr id="7" name="Slide Number Placeholder 6"/>
           <p:cNvSpPr>
             <a:spLocks noGrp="1"/>
           </p:cNvSpPr>
@@ -2443,7 +2149,7 @@
     </p:spTree>
     <p:extLst>
       <p:ext uri="{BB962C8B-B14F-4D97-AF65-F5344CB8AC3E}">
-        <p14:creationId xmlns:p14="http://schemas.microsoft.com/office/powerpoint/2010/main" val="495207373"/>
+        <p14:creationId xmlns:p14="http://schemas.microsoft.com/office/powerpoint/2010/main" val="134254103"/>
       </p:ext>
     </p:extLst>
   </p:cSld>
@@ -2472,13 +2178,7 @@
       </p:grpSpPr>
       <p:sp>
         <p:nvSpPr>
-          <p:cNvPr id="2" name="Title 1">
-            <a:extLst>
-              <a:ext uri="{FF2B5EF4-FFF2-40B4-BE49-F238E27FC236}">
-                <a16:creationId xmlns:a16="http://schemas.microsoft.com/office/drawing/2014/main" id="{8484F6ED-41A3-BF9C-D1BD-036FA24520A1}"/>
-              </a:ext>
-            </a:extLst>
-          </p:cNvPr>
+          <p:cNvPr id="2" name="Title 1"/>
           <p:cNvSpPr>
             <a:spLocks noGrp="1"/>
           </p:cNvSpPr>
@@ -2488,15 +2188,15 @@
         </p:nvSpPr>
         <p:spPr>
           <a:xfrm>
-            <a:off x="839788" y="457200"/>
-            <a:ext cx="3932237" cy="1600200"/>
+            <a:off x="314921" y="304800"/>
+            <a:ext cx="1474589" cy="1066800"/>
           </a:xfrm>
         </p:spPr>
         <p:txBody>
           <a:bodyPr anchor="b"/>
           <a:lstStyle>
             <a:lvl1pPr>
-              <a:defRPr sz="3200"/>
+              <a:defRPr sz="1600"/>
             </a:lvl1pPr>
           </a:lstStyle>
           <a:p>
@@ -2504,20 +2204,15 @@
               <a:rPr lang="en-US"/>
               <a:t>Click to edit Master title style</a:t>
             </a:r>
-          </a:p>
-        </p:txBody>
-      </p:sp>
-      <p:sp>
-        <p:nvSpPr>
-          <p:cNvPr id="3" name="Picture Placeholder 2">
-            <a:extLst>
-              <a:ext uri="{FF2B5EF4-FFF2-40B4-BE49-F238E27FC236}">
-                <a16:creationId xmlns:a16="http://schemas.microsoft.com/office/drawing/2014/main" id="{5D6EA555-E1A9-7017-4B13-425CD7C43BC2}"/>
-              </a:ext>
-            </a:extLst>
-          </p:cNvPr>
-          <p:cNvSpPr>
-            <a:spLocks noGrp="1"/>
+            <a:endParaRPr lang="en-US" dirty="0"/>
+          </a:p>
+        </p:txBody>
+      </p:sp>
+      <p:sp>
+        <p:nvSpPr>
+          <p:cNvPr id="3" name="Picture Placeholder 2"/>
+          <p:cNvSpPr>
+            <a:spLocks noGrp="1" noChangeAspect="1"/>
           </p:cNvSpPr>
           <p:nvPr>
             <p:ph type="pic" idx="1"/>
@@ -2525,118 +2220,116 @@
         </p:nvSpPr>
         <p:spPr>
           <a:xfrm>
-            <a:off x="5183188" y="987425"/>
-            <a:ext cx="6172200" cy="4873625"/>
+            <a:off x="1943695" y="658285"/>
+            <a:ext cx="2314575" cy="3249083"/>
           </a:xfrm>
         </p:spPr>
         <p:txBody>
-          <a:bodyPr/>
+          <a:bodyPr anchor="t"/>
           <a:lstStyle>
             <a:lvl1pPr marL="0" indent="0">
               <a:buNone/>
-              <a:defRPr sz="3200"/>
-            </a:lvl1pPr>
-            <a:lvl2pPr marL="457200" indent="0">
-              <a:buNone/>
-              <a:defRPr sz="2800"/>
-            </a:lvl2pPr>
-            <a:lvl3pPr marL="914400" indent="0">
-              <a:buNone/>
-              <a:defRPr sz="2400"/>
-            </a:lvl3pPr>
-            <a:lvl4pPr marL="1371600" indent="0">
-              <a:buNone/>
-              <a:defRPr sz="2000"/>
-            </a:lvl4pPr>
-            <a:lvl5pPr marL="1828800" indent="0">
-              <a:buNone/>
-              <a:defRPr sz="2000"/>
-            </a:lvl5pPr>
-            <a:lvl6pPr marL="2286000" indent="0">
-              <a:buNone/>
-              <a:defRPr sz="2000"/>
-            </a:lvl6pPr>
-            <a:lvl7pPr marL="2743200" indent="0">
-              <a:buNone/>
-              <a:defRPr sz="2000"/>
-            </a:lvl7pPr>
-            <a:lvl8pPr marL="3200400" indent="0">
-              <a:buNone/>
-              <a:defRPr sz="2000"/>
-            </a:lvl8pPr>
-            <a:lvl9pPr marL="3657600" indent="0">
-              <a:buNone/>
-              <a:defRPr sz="2000"/>
-            </a:lvl9pPr>
-          </a:lstStyle>
-          <a:p>
-            <a:endParaRPr lang="en-US"/>
-          </a:p>
-        </p:txBody>
-      </p:sp>
-      <p:sp>
-        <p:nvSpPr>
-          <p:cNvPr id="4" name="Text Placeholder 3">
-            <a:extLst>
-              <a:ext uri="{FF2B5EF4-FFF2-40B4-BE49-F238E27FC236}">
-                <a16:creationId xmlns:a16="http://schemas.microsoft.com/office/drawing/2014/main" id="{CA0C79EC-7895-D604-C589-05B93AC5A9DF}"/>
-              </a:ext>
-            </a:extLst>
-          </p:cNvPr>
-          <p:cNvSpPr>
-            <a:spLocks noGrp="1"/>
-          </p:cNvSpPr>
-          <p:nvPr>
-            <p:ph type="body" sz="half" idx="2"/>
-          </p:nvPr>
-        </p:nvSpPr>
-        <p:spPr>
-          <a:xfrm>
-            <a:off x="839788" y="2057400"/>
-            <a:ext cx="3932237" cy="3811588"/>
-          </a:xfrm>
-        </p:spPr>
-        <p:txBody>
-          <a:bodyPr/>
-          <a:lstStyle>
-            <a:lvl1pPr marL="0" indent="0">
-              <a:buNone/>
               <a:defRPr sz="1600"/>
             </a:lvl1pPr>
-            <a:lvl2pPr marL="457200" indent="0">
+            <a:lvl2pPr marL="228600" indent="0">
               <a:buNone/>
               <a:defRPr sz="1400"/>
             </a:lvl2pPr>
-            <a:lvl3pPr marL="914400" indent="0">
+            <a:lvl3pPr marL="457200" indent="0">
               <a:buNone/>
               <a:defRPr sz="1200"/>
             </a:lvl3pPr>
-            <a:lvl4pPr marL="1371600" indent="0">
+            <a:lvl4pPr marL="685800" indent="0">
               <a:buNone/>
               <a:defRPr sz="1000"/>
             </a:lvl4pPr>
-            <a:lvl5pPr marL="1828800" indent="0">
+            <a:lvl5pPr marL="914400" indent="0">
               <a:buNone/>
               <a:defRPr sz="1000"/>
             </a:lvl5pPr>
-            <a:lvl6pPr marL="2286000" indent="0">
+            <a:lvl6pPr marL="1143000" indent="0">
               <a:buNone/>
               <a:defRPr sz="1000"/>
             </a:lvl6pPr>
-            <a:lvl7pPr marL="2743200" indent="0">
+            <a:lvl7pPr marL="1371600" indent="0">
               <a:buNone/>
               <a:defRPr sz="1000"/>
             </a:lvl7pPr>
-            <a:lvl8pPr marL="3200400" indent="0">
+            <a:lvl8pPr marL="1600200" indent="0">
               <a:buNone/>
               <a:defRPr sz="1000"/>
             </a:lvl8pPr>
-            <a:lvl9pPr marL="3657600" indent="0">
+            <a:lvl9pPr marL="1828800" indent="0">
               <a:buNone/>
               <a:defRPr sz="1000"/>
             </a:lvl9pPr>
           </a:lstStyle>
           <a:p>
+            <a:r>
+              <a:rPr lang="en-US"/>
+              <a:t>Click icon to add picture</a:t>
+            </a:r>
+            <a:endParaRPr lang="en-US" dirty="0"/>
+          </a:p>
+        </p:txBody>
+      </p:sp>
+      <p:sp>
+        <p:nvSpPr>
+          <p:cNvPr id="4" name="Text Placeholder 3"/>
+          <p:cNvSpPr>
+            <a:spLocks noGrp="1"/>
+          </p:cNvSpPr>
+          <p:nvPr>
+            <p:ph type="body" sz="half" idx="2"/>
+          </p:nvPr>
+        </p:nvSpPr>
+        <p:spPr>
+          <a:xfrm>
+            <a:off x="314921" y="1371600"/>
+            <a:ext cx="1474589" cy="2541059"/>
+          </a:xfrm>
+        </p:spPr>
+        <p:txBody>
+          <a:bodyPr/>
+          <a:lstStyle>
+            <a:lvl1pPr marL="0" indent="0">
+              <a:buNone/>
+              <a:defRPr sz="800"/>
+            </a:lvl1pPr>
+            <a:lvl2pPr marL="228600" indent="0">
+              <a:buNone/>
+              <a:defRPr sz="700"/>
+            </a:lvl2pPr>
+            <a:lvl3pPr marL="457200" indent="0">
+              <a:buNone/>
+              <a:defRPr sz="600"/>
+            </a:lvl3pPr>
+            <a:lvl4pPr marL="685800" indent="0">
+              <a:buNone/>
+              <a:defRPr sz="500"/>
+            </a:lvl4pPr>
+            <a:lvl5pPr marL="914400" indent="0">
+              <a:buNone/>
+              <a:defRPr sz="500"/>
+            </a:lvl5pPr>
+            <a:lvl6pPr marL="1143000" indent="0">
+              <a:buNone/>
+              <a:defRPr sz="500"/>
+            </a:lvl6pPr>
+            <a:lvl7pPr marL="1371600" indent="0">
+              <a:buNone/>
+              <a:defRPr sz="500"/>
+            </a:lvl7pPr>
+            <a:lvl8pPr marL="1600200" indent="0">
+              <a:buNone/>
+              <a:defRPr sz="500"/>
+            </a:lvl8pPr>
+            <a:lvl9pPr marL="1828800" indent="0">
+              <a:buNone/>
+              <a:defRPr sz="500"/>
+            </a:lvl9pPr>
+          </a:lstStyle>
+          <a:p>
             <a:pPr lvl="0"/>
             <a:r>
               <a:rPr lang="en-US"/>
@@ -2647,13 +2340,7 @@
       </p:sp>
       <p:sp>
         <p:nvSpPr>
-          <p:cNvPr id="5" name="Date Placeholder 4">
-            <a:extLst>
-              <a:ext uri="{FF2B5EF4-FFF2-40B4-BE49-F238E27FC236}">
-                <a16:creationId xmlns:a16="http://schemas.microsoft.com/office/drawing/2014/main" id="{314BD0CF-01AE-1578-6D10-82B0E6271412}"/>
-              </a:ext>
-            </a:extLst>
-          </p:cNvPr>
+          <p:cNvPr id="5" name="Date Placeholder 4"/>
           <p:cNvSpPr>
             <a:spLocks noGrp="1"/>
           </p:cNvSpPr>
@@ -2668,7 +2355,7 @@
           <a:p>
             <a:fld id="{BE68067C-B7E2-40A3-A5E4-B47E01AE3DF3}" type="datetimeFigureOut">
               <a:rPr lang="en-US" smtClean="0"/>
-              <a:t>7/30/2025</a:t>
+              <a:t>12/20/2025</a:t>
             </a:fld>
             <a:endParaRPr lang="en-US"/>
           </a:p>
@@ -2676,13 +2363,7 @@
       </p:sp>
       <p:sp>
         <p:nvSpPr>
-          <p:cNvPr id="6" name="Footer Placeholder 5">
-            <a:extLst>
-              <a:ext uri="{FF2B5EF4-FFF2-40B4-BE49-F238E27FC236}">
-                <a16:creationId xmlns:a16="http://schemas.microsoft.com/office/drawing/2014/main" id="{53C4428F-2888-D35C-4084-0691743826E2}"/>
-              </a:ext>
-            </a:extLst>
-          </p:cNvPr>
+          <p:cNvPr id="6" name="Footer Placeholder 5"/>
           <p:cNvSpPr>
             <a:spLocks noGrp="1"/>
           </p:cNvSpPr>
@@ -2701,13 +2382,7 @@
       </p:sp>
       <p:sp>
         <p:nvSpPr>
-          <p:cNvPr id="7" name="Slide Number Placeholder 6">
-            <a:extLst>
-              <a:ext uri="{FF2B5EF4-FFF2-40B4-BE49-F238E27FC236}">
-                <a16:creationId xmlns:a16="http://schemas.microsoft.com/office/drawing/2014/main" id="{66DD3289-07D8-E2DF-6209-88088FD7267E}"/>
-              </a:ext>
-            </a:extLst>
-          </p:cNvPr>
+          <p:cNvPr id="7" name="Slide Number Placeholder 6"/>
           <p:cNvSpPr>
             <a:spLocks noGrp="1"/>
           </p:cNvSpPr>
@@ -2731,7 +2406,7 @@
     </p:spTree>
     <p:extLst>
       <p:ext uri="{BB962C8B-B14F-4D97-AF65-F5344CB8AC3E}">
-        <p14:creationId xmlns:p14="http://schemas.microsoft.com/office/powerpoint/2010/main" val="973579526"/>
+        <p14:creationId xmlns:p14="http://schemas.microsoft.com/office/powerpoint/2010/main" val="3963570041"/>
       </p:ext>
     </p:extLst>
   </p:cSld>
@@ -2765,13 +2440,7 @@
       </p:grpSpPr>
       <p:sp>
         <p:nvSpPr>
-          <p:cNvPr id="2" name="Title Placeholder 1">
-            <a:extLst>
-              <a:ext uri="{FF2B5EF4-FFF2-40B4-BE49-F238E27FC236}">
-                <a16:creationId xmlns:a16="http://schemas.microsoft.com/office/drawing/2014/main" id="{8AA3BF82-327A-CF69-0198-5609AA8E2CF5}"/>
-              </a:ext>
-            </a:extLst>
-          </p:cNvPr>
+          <p:cNvPr id="2" name="Title Placeholder 1"/>
           <p:cNvSpPr>
             <a:spLocks noGrp="1"/>
           </p:cNvSpPr>
@@ -2781,8 +2450,8 @@
         </p:nvSpPr>
         <p:spPr>
           <a:xfrm>
-            <a:off x="838200" y="365125"/>
-            <a:ext cx="10515600" cy="1325563"/>
+            <a:off x="314325" y="243418"/>
+            <a:ext cx="3943350" cy="883709"/>
           </a:xfrm>
           <a:prstGeom prst="rect">
             <a:avLst/>
@@ -2798,18 +2467,13 @@
               <a:rPr lang="en-US"/>
               <a:t>Click to edit Master title style</a:t>
             </a:r>
-          </a:p>
-        </p:txBody>
-      </p:sp>
-      <p:sp>
-        <p:nvSpPr>
-          <p:cNvPr id="3" name="Text Placeholder 2">
-            <a:extLst>
-              <a:ext uri="{FF2B5EF4-FFF2-40B4-BE49-F238E27FC236}">
-                <a16:creationId xmlns:a16="http://schemas.microsoft.com/office/drawing/2014/main" id="{0A660158-38E4-6DAB-5A45-F2BF47C03551}"/>
-              </a:ext>
-            </a:extLst>
-          </p:cNvPr>
+            <a:endParaRPr lang="en-US" dirty="0"/>
+          </a:p>
+        </p:txBody>
+      </p:sp>
+      <p:sp>
+        <p:nvSpPr>
+          <p:cNvPr id="3" name="Text Placeholder 2"/>
           <p:cNvSpPr>
             <a:spLocks noGrp="1"/>
           </p:cNvSpPr>
@@ -2819,8 +2483,8 @@
         </p:nvSpPr>
         <p:spPr>
           <a:xfrm>
-            <a:off x="838200" y="1825625"/>
-            <a:ext cx="10515600" cy="4351338"/>
+            <a:off x="314325" y="1217083"/>
+            <a:ext cx="3943350" cy="2900892"/>
           </a:xfrm>
           <a:prstGeom prst="rect">
             <a:avLst/>
@@ -2865,18 +2529,13 @@
               <a:rPr lang="en-US"/>
               <a:t>Fifth level</a:t>
             </a:r>
-          </a:p>
-        </p:txBody>
-      </p:sp>
-      <p:sp>
-        <p:nvSpPr>
-          <p:cNvPr id="4" name="Date Placeholder 3">
-            <a:extLst>
-              <a:ext uri="{FF2B5EF4-FFF2-40B4-BE49-F238E27FC236}">
-                <a16:creationId xmlns:a16="http://schemas.microsoft.com/office/drawing/2014/main" id="{E1D52481-257F-4A8C-FDAE-CB77EBE97832}"/>
-              </a:ext>
-            </a:extLst>
-          </p:cNvPr>
+            <a:endParaRPr lang="en-US" dirty="0"/>
+          </a:p>
+        </p:txBody>
+      </p:sp>
+      <p:sp>
+        <p:nvSpPr>
+          <p:cNvPr id="4" name="Date Placeholder 3"/>
           <p:cNvSpPr>
             <a:spLocks noGrp="1"/>
           </p:cNvSpPr>
@@ -2886,8 +2545,8 @@
         </p:nvSpPr>
         <p:spPr>
           <a:xfrm>
-            <a:off x="838200" y="6356350"/>
-            <a:ext cx="2743200" cy="365125"/>
+            <a:off x="314325" y="4237568"/>
+            <a:ext cx="1028700" cy="243417"/>
           </a:xfrm>
           <a:prstGeom prst="rect">
             <a:avLst/>
@@ -2897,7 +2556,7 @@
           <a:bodyPr vert="horz" lIns="91440" tIns="45720" rIns="91440" bIns="45720" rtlCol="0" anchor="ctr"/>
           <a:lstStyle>
             <a:lvl1pPr algn="l">
-              <a:defRPr sz="1200">
+              <a:defRPr sz="600">
                 <a:solidFill>
                   <a:schemeClr val="tx1">
                     <a:tint val="82000"/>
@@ -2909,7 +2568,7 @@
           <a:p>
             <a:fld id="{BE68067C-B7E2-40A3-A5E4-B47E01AE3DF3}" type="datetimeFigureOut">
               <a:rPr lang="en-US" smtClean="0"/>
-              <a:t>7/30/2025</a:t>
+              <a:t>12/20/2025</a:t>
             </a:fld>
             <a:endParaRPr lang="en-US"/>
           </a:p>
@@ -2917,13 +2576,7 @@
       </p:sp>
       <p:sp>
         <p:nvSpPr>
-          <p:cNvPr id="5" name="Footer Placeholder 4">
-            <a:extLst>
-              <a:ext uri="{FF2B5EF4-FFF2-40B4-BE49-F238E27FC236}">
-                <a16:creationId xmlns:a16="http://schemas.microsoft.com/office/drawing/2014/main" id="{62936986-F8AF-8820-38AF-DE75A33ABA3C}"/>
-              </a:ext>
-            </a:extLst>
-          </p:cNvPr>
+          <p:cNvPr id="5" name="Footer Placeholder 4"/>
           <p:cNvSpPr>
             <a:spLocks noGrp="1"/>
           </p:cNvSpPr>
@@ -2933,8 +2586,8 @@
         </p:nvSpPr>
         <p:spPr>
           <a:xfrm>
-            <a:off x="4038600" y="6356350"/>
-            <a:ext cx="4114800" cy="365125"/>
+            <a:off x="1514475" y="4237568"/>
+            <a:ext cx="1543050" cy="243417"/>
           </a:xfrm>
           <a:prstGeom prst="rect">
             <a:avLst/>
@@ -2944,7 +2597,7 @@
           <a:bodyPr vert="horz" lIns="91440" tIns="45720" rIns="91440" bIns="45720" rtlCol="0" anchor="ctr"/>
           <a:lstStyle>
             <a:lvl1pPr algn="ctr">
-              <a:defRPr sz="1200">
+              <a:defRPr sz="600">
                 <a:solidFill>
                   <a:schemeClr val="tx1">
                     <a:tint val="82000"/>
@@ -2960,13 +2613,7 @@
       </p:sp>
       <p:sp>
         <p:nvSpPr>
-          <p:cNvPr id="6" name="Slide Number Placeholder 5">
-            <a:extLst>
-              <a:ext uri="{FF2B5EF4-FFF2-40B4-BE49-F238E27FC236}">
-                <a16:creationId xmlns:a16="http://schemas.microsoft.com/office/drawing/2014/main" id="{9D682BD7-9AD7-0778-7D84-6F90B7C504F0}"/>
-              </a:ext>
-            </a:extLst>
-          </p:cNvPr>
+          <p:cNvPr id="6" name="Slide Number Placeholder 5"/>
           <p:cNvSpPr>
             <a:spLocks noGrp="1"/>
           </p:cNvSpPr>
@@ -2976,8 +2623,8 @@
         </p:nvSpPr>
         <p:spPr>
           <a:xfrm>
-            <a:off x="8610600" y="6356350"/>
-            <a:ext cx="2743200" cy="365125"/>
+            <a:off x="3228975" y="4237568"/>
+            <a:ext cx="1028700" cy="243417"/>
           </a:xfrm>
           <a:prstGeom prst="rect">
             <a:avLst/>
@@ -2987,7 +2634,7 @@
           <a:bodyPr vert="horz" lIns="91440" tIns="45720" rIns="91440" bIns="45720" rtlCol="0" anchor="ctr"/>
           <a:lstStyle>
             <a:lvl1pPr algn="r">
-              <a:defRPr sz="1200">
+              <a:defRPr sz="600">
                 <a:solidFill>
                   <a:schemeClr val="tx1">
                     <a:tint val="82000"/>
@@ -3008,27 +2655,27 @@
     </p:spTree>
     <p:extLst>
       <p:ext uri="{BB962C8B-B14F-4D97-AF65-F5344CB8AC3E}">
-        <p14:creationId xmlns:p14="http://schemas.microsoft.com/office/powerpoint/2010/main" val="4020483355"/>
+        <p14:creationId xmlns:p14="http://schemas.microsoft.com/office/powerpoint/2010/main" val="1811947336"/>
       </p:ext>
     </p:extLst>
   </p:cSld>
   <p:clrMap bg1="lt1" tx1="dk1" bg2="lt2" tx2="dk2" accent1="accent1" accent2="accent2" accent3="accent3" accent4="accent4" accent5="accent5" accent6="accent6" hlink="hlink" folHlink="folHlink"/>
   <p:sldLayoutIdLst>
-    <p:sldLayoutId id="2147483649" r:id="rId1"/>
-    <p:sldLayoutId id="2147483650" r:id="rId2"/>
-    <p:sldLayoutId id="2147483651" r:id="rId3"/>
-    <p:sldLayoutId id="2147483652" r:id="rId4"/>
-    <p:sldLayoutId id="2147483653" r:id="rId5"/>
-    <p:sldLayoutId id="2147483654" r:id="rId6"/>
-    <p:sldLayoutId id="2147483655" r:id="rId7"/>
-    <p:sldLayoutId id="2147483656" r:id="rId8"/>
-    <p:sldLayoutId id="2147483657" r:id="rId9"/>
-    <p:sldLayoutId id="2147483658" r:id="rId10"/>
-    <p:sldLayoutId id="2147483659" r:id="rId11"/>
+    <p:sldLayoutId id="2147483661" r:id="rId1"/>
+    <p:sldLayoutId id="2147483662" r:id="rId2"/>
+    <p:sldLayoutId id="2147483663" r:id="rId3"/>
+    <p:sldLayoutId id="2147483664" r:id="rId4"/>
+    <p:sldLayoutId id="2147483665" r:id="rId5"/>
+    <p:sldLayoutId id="2147483666" r:id="rId6"/>
+    <p:sldLayoutId id="2147483667" r:id="rId7"/>
+    <p:sldLayoutId id="2147483668" r:id="rId8"/>
+    <p:sldLayoutId id="2147483669" r:id="rId9"/>
+    <p:sldLayoutId id="2147483670" r:id="rId10"/>
+    <p:sldLayoutId id="2147483671" r:id="rId11"/>
   </p:sldLayoutIdLst>
   <p:txStyles>
     <p:titleStyle>
-      <a:lvl1pPr algn="l" defTabSz="914400" rtl="0" eaLnBrk="1" latinLnBrk="0" hangingPunct="1">
+      <a:lvl1pPr algn="l" defTabSz="457200" rtl="0" eaLnBrk="1" latinLnBrk="0" hangingPunct="1">
         <a:lnSpc>
           <a:spcPct val="90000"/>
         </a:lnSpc>
@@ -3036,7 +2683,7 @@
           <a:spcPct val="0"/>
         </a:spcBef>
         <a:buNone/>
-        <a:defRPr sz="4400" kern="1200">
+        <a:defRPr sz="2200" kern="1200">
           <a:solidFill>
             <a:schemeClr val="tx1"/>
           </a:solidFill>
@@ -3047,16 +2694,16 @@
       </a:lvl1pPr>
     </p:titleStyle>
     <p:bodyStyle>
-      <a:lvl1pPr marL="228600" indent="-228600" algn="l" defTabSz="914400" rtl="0" eaLnBrk="1" latinLnBrk="0" hangingPunct="1">
+      <a:lvl1pPr marL="114300" indent="-114300" algn="l" defTabSz="457200" rtl="0" eaLnBrk="1" latinLnBrk="0" hangingPunct="1">
         <a:lnSpc>
           <a:spcPct val="90000"/>
         </a:lnSpc>
         <a:spcBef>
-          <a:spcPts val="1000"/>
+          <a:spcPts val="500"/>
         </a:spcBef>
         <a:buFont typeface="Arial" panose="020B0604020202020204" pitchFamily="34" charset="0"/>
         <a:buChar char="•"/>
-        <a:defRPr sz="2800" kern="1200">
+        <a:defRPr sz="1400" kern="1200">
           <a:solidFill>
             <a:schemeClr val="tx1"/>
           </a:solidFill>
@@ -3065,16 +2712,16 @@
           <a:cs typeface="+mn-cs"/>
         </a:defRPr>
       </a:lvl1pPr>
-      <a:lvl2pPr marL="685800" indent="-228600" algn="l" defTabSz="914400" rtl="0" eaLnBrk="1" latinLnBrk="0" hangingPunct="1">
+      <a:lvl2pPr marL="342900" indent="-114300" algn="l" defTabSz="457200" rtl="0" eaLnBrk="1" latinLnBrk="0" hangingPunct="1">
         <a:lnSpc>
           <a:spcPct val="90000"/>
         </a:lnSpc>
         <a:spcBef>
-          <a:spcPts val="500"/>
+          <a:spcPts val="250"/>
         </a:spcBef>
         <a:buFont typeface="Arial" panose="020B0604020202020204" pitchFamily="34" charset="0"/>
         <a:buChar char="•"/>
-        <a:defRPr sz="2400" kern="1200">
+        <a:defRPr sz="1200" kern="1200">
           <a:solidFill>
             <a:schemeClr val="tx1"/>
           </a:solidFill>
@@ -3083,16 +2730,16 @@
           <a:cs typeface="+mn-cs"/>
         </a:defRPr>
       </a:lvl2pPr>
-      <a:lvl3pPr marL="1143000" indent="-228600" algn="l" defTabSz="914400" rtl="0" eaLnBrk="1" latinLnBrk="0" hangingPunct="1">
+      <a:lvl3pPr marL="571500" indent="-114300" algn="l" defTabSz="457200" rtl="0" eaLnBrk="1" latinLnBrk="0" hangingPunct="1">
         <a:lnSpc>
           <a:spcPct val="90000"/>
         </a:lnSpc>
         <a:spcBef>
-          <a:spcPts val="500"/>
+          <a:spcPts val="250"/>
         </a:spcBef>
         <a:buFont typeface="Arial" panose="020B0604020202020204" pitchFamily="34" charset="0"/>
         <a:buChar char="•"/>
-        <a:defRPr sz="2000" kern="1200">
+        <a:defRPr sz="1000" kern="1200">
           <a:solidFill>
             <a:schemeClr val="tx1"/>
           </a:solidFill>
@@ -3101,16 +2748,16 @@
           <a:cs typeface="+mn-cs"/>
         </a:defRPr>
       </a:lvl3pPr>
-      <a:lvl4pPr marL="1600200" indent="-228600" algn="l" defTabSz="914400" rtl="0" eaLnBrk="1" latinLnBrk="0" hangingPunct="1">
+      <a:lvl4pPr marL="800100" indent="-114300" algn="l" defTabSz="457200" rtl="0" eaLnBrk="1" latinLnBrk="0" hangingPunct="1">
         <a:lnSpc>
           <a:spcPct val="90000"/>
         </a:lnSpc>
         <a:spcBef>
-          <a:spcPts val="500"/>
+          <a:spcPts val="250"/>
         </a:spcBef>
         <a:buFont typeface="Arial" panose="020B0604020202020204" pitchFamily="34" charset="0"/>
         <a:buChar char="•"/>
-        <a:defRPr sz="1800" kern="1200">
+        <a:defRPr sz="900" kern="1200">
           <a:solidFill>
             <a:schemeClr val="tx1"/>
           </a:solidFill>
@@ -3119,16 +2766,16 @@
           <a:cs typeface="+mn-cs"/>
         </a:defRPr>
       </a:lvl4pPr>
-      <a:lvl5pPr marL="2057400" indent="-228600" algn="l" defTabSz="914400" rtl="0" eaLnBrk="1" latinLnBrk="0" hangingPunct="1">
+      <a:lvl5pPr marL="1028700" indent="-114300" algn="l" defTabSz="457200" rtl="0" eaLnBrk="1" latinLnBrk="0" hangingPunct="1">
         <a:lnSpc>
           <a:spcPct val="90000"/>
         </a:lnSpc>
         <a:spcBef>
-          <a:spcPts val="500"/>
+          <a:spcPts val="250"/>
         </a:spcBef>
         <a:buFont typeface="Arial" panose="020B0604020202020204" pitchFamily="34" charset="0"/>
         <a:buChar char="•"/>
-        <a:defRPr sz="1800" kern="1200">
+        <a:defRPr sz="900" kern="1200">
           <a:solidFill>
             <a:schemeClr val="tx1"/>
           </a:solidFill>
@@ -3137,16 +2784,16 @@
           <a:cs typeface="+mn-cs"/>
         </a:defRPr>
       </a:lvl5pPr>
-      <a:lvl6pPr marL="2514600" indent="-228600" algn="l" defTabSz="914400" rtl="0" eaLnBrk="1" latinLnBrk="0" hangingPunct="1">
+      <a:lvl6pPr marL="1257300" indent="-114300" algn="l" defTabSz="457200" rtl="0" eaLnBrk="1" latinLnBrk="0" hangingPunct="1">
         <a:lnSpc>
           <a:spcPct val="90000"/>
         </a:lnSpc>
         <a:spcBef>
-          <a:spcPts val="500"/>
+          <a:spcPts val="250"/>
         </a:spcBef>
         <a:buFont typeface="Arial" panose="020B0604020202020204" pitchFamily="34" charset="0"/>
         <a:buChar char="•"/>
-        <a:defRPr sz="1800" kern="1200">
+        <a:defRPr sz="900" kern="1200">
           <a:solidFill>
             <a:schemeClr val="tx1"/>
           </a:solidFill>
@@ -3155,16 +2802,16 @@
           <a:cs typeface="+mn-cs"/>
         </a:defRPr>
       </a:lvl6pPr>
-      <a:lvl7pPr marL="2971800" indent="-228600" algn="l" defTabSz="914400" rtl="0" eaLnBrk="1" latinLnBrk="0" hangingPunct="1">
+      <a:lvl7pPr marL="1485900" indent="-114300" algn="l" defTabSz="457200" rtl="0" eaLnBrk="1" latinLnBrk="0" hangingPunct="1">
         <a:lnSpc>
           <a:spcPct val="90000"/>
         </a:lnSpc>
         <a:spcBef>
-          <a:spcPts val="500"/>
+          <a:spcPts val="250"/>
         </a:spcBef>
         <a:buFont typeface="Arial" panose="020B0604020202020204" pitchFamily="34" charset="0"/>
         <a:buChar char="•"/>
-        <a:defRPr sz="1800" kern="1200">
+        <a:defRPr sz="900" kern="1200">
           <a:solidFill>
             <a:schemeClr val="tx1"/>
           </a:solidFill>
@@ -3173,16 +2820,16 @@
           <a:cs typeface="+mn-cs"/>
         </a:defRPr>
       </a:lvl7pPr>
-      <a:lvl8pPr marL="3429000" indent="-228600" algn="l" defTabSz="914400" rtl="0" eaLnBrk="1" latinLnBrk="0" hangingPunct="1">
+      <a:lvl8pPr marL="1714500" indent="-114300" algn="l" defTabSz="457200" rtl="0" eaLnBrk="1" latinLnBrk="0" hangingPunct="1">
         <a:lnSpc>
           <a:spcPct val="90000"/>
         </a:lnSpc>
         <a:spcBef>
-          <a:spcPts val="500"/>
+          <a:spcPts val="250"/>
         </a:spcBef>
         <a:buFont typeface="Arial" panose="020B0604020202020204" pitchFamily="34" charset="0"/>
         <a:buChar char="•"/>
-        <a:defRPr sz="1800" kern="1200">
+        <a:defRPr sz="900" kern="1200">
           <a:solidFill>
             <a:schemeClr val="tx1"/>
           </a:solidFill>
@@ -3191,16 +2838,16 @@
           <a:cs typeface="+mn-cs"/>
         </a:defRPr>
       </a:lvl8pPr>
-      <a:lvl9pPr marL="3886200" indent="-228600" algn="l" defTabSz="914400" rtl="0" eaLnBrk="1" latinLnBrk="0" hangingPunct="1">
+      <a:lvl9pPr marL="1943100" indent="-114300" algn="l" defTabSz="457200" rtl="0" eaLnBrk="1" latinLnBrk="0" hangingPunct="1">
         <a:lnSpc>
           <a:spcPct val="90000"/>
         </a:lnSpc>
         <a:spcBef>
-          <a:spcPts val="500"/>
+          <a:spcPts val="250"/>
         </a:spcBef>
         <a:buFont typeface="Arial" panose="020B0604020202020204" pitchFamily="34" charset="0"/>
         <a:buChar char="•"/>
-        <a:defRPr sz="1800" kern="1200">
+        <a:defRPr sz="900" kern="1200">
           <a:solidFill>
             <a:schemeClr val="tx1"/>
           </a:solidFill>
@@ -3214,8 +2861,8 @@
       <a:defPPr>
         <a:defRPr lang="en-US"/>
       </a:defPPr>
-      <a:lvl1pPr marL="0" algn="l" defTabSz="914400" rtl="0" eaLnBrk="1" latinLnBrk="0" hangingPunct="1">
-        <a:defRPr sz="1800" kern="1200">
+      <a:lvl1pPr marL="0" algn="l" defTabSz="457200" rtl="0" eaLnBrk="1" latinLnBrk="0" hangingPunct="1">
+        <a:defRPr sz="900" kern="1200">
           <a:solidFill>
             <a:schemeClr val="tx1"/>
           </a:solidFill>
@@ -3224,8 +2871,8 @@
           <a:cs typeface="+mn-cs"/>
         </a:defRPr>
       </a:lvl1pPr>
-      <a:lvl2pPr marL="457200" algn="l" defTabSz="914400" rtl="0" eaLnBrk="1" latinLnBrk="0" hangingPunct="1">
-        <a:defRPr sz="1800" kern="1200">
+      <a:lvl2pPr marL="228600" algn="l" defTabSz="457200" rtl="0" eaLnBrk="1" latinLnBrk="0" hangingPunct="1">
+        <a:defRPr sz="900" kern="1200">
           <a:solidFill>
             <a:schemeClr val="tx1"/>
           </a:solidFill>
@@ -3234,8 +2881,8 @@
           <a:cs typeface="+mn-cs"/>
         </a:defRPr>
       </a:lvl2pPr>
-      <a:lvl3pPr marL="914400" algn="l" defTabSz="914400" rtl="0" eaLnBrk="1" latinLnBrk="0" hangingPunct="1">
-        <a:defRPr sz="1800" kern="1200">
+      <a:lvl3pPr marL="457200" algn="l" defTabSz="457200" rtl="0" eaLnBrk="1" latinLnBrk="0" hangingPunct="1">
+        <a:defRPr sz="900" kern="1200">
           <a:solidFill>
             <a:schemeClr val="tx1"/>
           </a:solidFill>
@@ -3244,8 +2891,8 @@
           <a:cs typeface="+mn-cs"/>
         </a:defRPr>
       </a:lvl3pPr>
-      <a:lvl4pPr marL="1371600" algn="l" defTabSz="914400" rtl="0" eaLnBrk="1" latinLnBrk="0" hangingPunct="1">
-        <a:defRPr sz="1800" kern="1200">
+      <a:lvl4pPr marL="685800" algn="l" defTabSz="457200" rtl="0" eaLnBrk="1" latinLnBrk="0" hangingPunct="1">
+        <a:defRPr sz="900" kern="1200">
           <a:solidFill>
             <a:schemeClr val="tx1"/>
           </a:solidFill>
@@ -3254,8 +2901,8 @@
           <a:cs typeface="+mn-cs"/>
         </a:defRPr>
       </a:lvl4pPr>
-      <a:lvl5pPr marL="1828800" algn="l" defTabSz="914400" rtl="0" eaLnBrk="1" latinLnBrk="0" hangingPunct="1">
-        <a:defRPr sz="1800" kern="1200">
+      <a:lvl5pPr marL="914400" algn="l" defTabSz="457200" rtl="0" eaLnBrk="1" latinLnBrk="0" hangingPunct="1">
+        <a:defRPr sz="900" kern="1200">
           <a:solidFill>
             <a:schemeClr val="tx1"/>
           </a:solidFill>
@@ -3264,8 +2911,8 @@
           <a:cs typeface="+mn-cs"/>
         </a:defRPr>
       </a:lvl5pPr>
-      <a:lvl6pPr marL="2286000" algn="l" defTabSz="914400" rtl="0" eaLnBrk="1" latinLnBrk="0" hangingPunct="1">
-        <a:defRPr sz="1800" kern="1200">
+      <a:lvl6pPr marL="1143000" algn="l" defTabSz="457200" rtl="0" eaLnBrk="1" latinLnBrk="0" hangingPunct="1">
+        <a:defRPr sz="900" kern="1200">
           <a:solidFill>
             <a:schemeClr val="tx1"/>
           </a:solidFill>
@@ -3274,8 +2921,8 @@
           <a:cs typeface="+mn-cs"/>
         </a:defRPr>
       </a:lvl6pPr>
-      <a:lvl7pPr marL="2743200" algn="l" defTabSz="914400" rtl="0" eaLnBrk="1" latinLnBrk="0" hangingPunct="1">
-        <a:defRPr sz="1800" kern="1200">
+      <a:lvl7pPr marL="1371600" algn="l" defTabSz="457200" rtl="0" eaLnBrk="1" latinLnBrk="0" hangingPunct="1">
+        <a:defRPr sz="900" kern="1200">
           <a:solidFill>
             <a:schemeClr val="tx1"/>
           </a:solidFill>
@@ -3284,8 +2931,8 @@
           <a:cs typeface="+mn-cs"/>
         </a:defRPr>
       </a:lvl7pPr>
-      <a:lvl8pPr marL="3200400" algn="l" defTabSz="914400" rtl="0" eaLnBrk="1" latinLnBrk="0" hangingPunct="1">
-        <a:defRPr sz="1800" kern="1200">
+      <a:lvl8pPr marL="1600200" algn="l" defTabSz="457200" rtl="0" eaLnBrk="1" latinLnBrk="0" hangingPunct="1">
+        <a:defRPr sz="900" kern="1200">
           <a:solidFill>
             <a:schemeClr val="tx1"/>
           </a:solidFill>
@@ -3294,8 +2941,8 @@
           <a:cs typeface="+mn-cs"/>
         </a:defRPr>
       </a:lvl8pPr>
-      <a:lvl9pPr marL="3657600" algn="l" defTabSz="914400" rtl="0" eaLnBrk="1" latinLnBrk="0" hangingPunct="1">
-        <a:defRPr sz="1800" kern="1200">
+      <a:lvl9pPr marL="1828800" algn="l" defTabSz="457200" rtl="0" eaLnBrk="1" latinLnBrk="0" hangingPunct="1">
+        <a:defRPr sz="900" kern="1200">
           <a:solidFill>
             <a:schemeClr val="tx1"/>
           </a:solidFill>
@@ -3328,10 +2975,10 @@
       </p:grpSpPr>
       <p:pic>
         <p:nvPicPr>
-          <p:cNvPr id="5" name="Picture 4">
+          <p:cNvPr id="4" name="Picture 3" descr="A person smiling at camera&#10;&#10;Description automatically generated">
             <a:extLst>
               <a:ext uri="{FF2B5EF4-FFF2-40B4-BE49-F238E27FC236}">
-                <a16:creationId xmlns:a16="http://schemas.microsoft.com/office/drawing/2014/main" id="{1E9C1A5E-1A73-5467-AE3C-07E3B383AF79}"/>
+                <a16:creationId xmlns:a16="http://schemas.microsoft.com/office/drawing/2014/main" id="{E58248DD-6526-BBD5-E867-79448AB4BA19}"/>
               </a:ext>
             </a:extLst>
           </p:cNvPr>
@@ -3348,13 +2995,13 @@
               </a:ext>
             </a:extLst>
           </a:blip>
-          <a:srcRect l="24293" t="15307" r="14254" b="32888"/>
+          <a:srcRect t="2" b="19111"/>
           <a:stretch/>
         </p:blipFill>
         <p:spPr>
           <a:xfrm>
-            <a:off x="41858" y="44349"/>
-            <a:ext cx="3273552" cy="3273550"/>
+            <a:off x="64026" y="40537"/>
+            <a:ext cx="3277805" cy="3273552"/>
           </a:xfrm>
           <a:prstGeom prst="ellipse">
             <a:avLst/>
@@ -3382,7 +3029,7 @@
 <file path=ppt/theme/theme1.xml><?xml version="1.0" encoding="utf-8"?>
 <a:theme xmlns:a="http://schemas.openxmlformats.org/drawingml/2006/main" name="Office Theme">
   <a:themeElements>
-    <a:clrScheme name="Office">
+    <a:clrScheme name="Office Theme">
       <a:dk1>
         <a:sysClr val="windowText" lastClr="000000"/>
       </a:dk1>
@@ -3420,7 +3067,7 @@
         <a:srgbClr val="96607D"/>
       </a:folHlink>
     </a:clrScheme>
-    <a:fontScheme name="Office">
+    <a:fontScheme name="Office Theme">
       <a:majorFont>
         <a:latin typeface="Aptos Display" panose="02110004020202020204"/>
         <a:ea typeface=""/>
@@ -3526,7 +3173,7 @@
         <a:font script="Tfng" typeface="Ebrima"/>
       </a:minorFont>
     </a:fontScheme>
-    <a:fmtScheme name="Office">
+    <a:fmtScheme name="Office Theme">
       <a:fillStyleLst>
         <a:solidFill>
           <a:schemeClr val="phClr"/>
